--- a/F1WP_Presentazione.pptx
+++ b/F1WP_Presentazione.pptx
@@ -5,7 +5,7 @@
     <p:sldMasterId id="2147483648" r:id="rId1"/>
   </p:sldMasterIdLst>
   <p:notesMasterIdLst>
-    <p:notesMasterId r:id="rId30"/>
+    <p:notesMasterId r:id="rId33"/>
   </p:notesMasterIdLst>
   <p:sldIdLst>
     <p:sldId id="256" r:id="rId2"/>
@@ -36,6 +36,9 @@
     <p:sldId id="284" r:id="rId27"/>
     <p:sldId id="285" r:id="rId28"/>
     <p:sldId id="286" r:id="rId29"/>
+    <p:sldId id="290" r:id="rId30"/>
+    <p:sldId id="289" r:id="rId31"/>
+    <p:sldId id="291" r:id="rId32"/>
   </p:sldIdLst>
   <p:sldSz cx="12192000" cy="6858000"/>
   <p:notesSz cx="6858000" cy="9144000"/>
@@ -12719,113 +12722,897 @@
           </a:p>
         </p:txBody>
       </p:sp>
-      <p:pic>
-        <p:nvPicPr>
-          <p:cNvPr id="9" name="Immagine 8" descr="Immagine che contiene tavolo&#10;&#10;Descrizione generata automaticamente">
-            <a:extLst>
-              <a:ext uri="{FF2B5EF4-FFF2-40B4-BE49-F238E27FC236}">
-                <a16:creationId xmlns:a16="http://schemas.microsoft.com/office/drawing/2014/main" id="{8D0806A3-7DF3-44EF-9818-7366F9E7EFC0}"/>
-              </a:ext>
-            </a:extLst>
-          </p:cNvPr>
-          <p:cNvPicPr>
-            <a:picLocks noChangeAspect="1"/>
-          </p:cNvPicPr>
+      <p:sp>
+        <p:nvSpPr>
+          <p:cNvPr id="11" name="Segnaposto testo 2">
+            <a:extLst>
+              <a:ext uri="{FF2B5EF4-FFF2-40B4-BE49-F238E27FC236}">
+                <a16:creationId xmlns:a16="http://schemas.microsoft.com/office/drawing/2014/main" id="{C1DE6DC3-3D8E-4E58-805D-5549A3051561}"/>
+              </a:ext>
+            </a:extLst>
+          </p:cNvPr>
+          <p:cNvSpPr txBox="1">
+            <a:spLocks/>
+          </p:cNvSpPr>
           <p:nvPr/>
-        </p:nvPicPr>
-        <p:blipFill>
-          <a:blip r:embed="rId2">
-            <a:extLst>
-              <a:ext uri="{28A0092B-C50C-407E-A947-70E740481C1C}">
-                <a14:useLocalDpi xmlns:a14="http://schemas.microsoft.com/office/drawing/2010/main" val="0"/>
-              </a:ext>
-            </a:extLst>
-          </a:blip>
-          <a:stretch>
-            <a:fillRect/>
-          </a:stretch>
-        </p:blipFill>
+        </p:nvSpPr>
         <p:spPr>
           <a:xfrm>
-            <a:off x="-16991" y="1069033"/>
-            <a:ext cx="9659698" cy="3067478"/>
+            <a:off x="839787" y="256381"/>
+            <a:ext cx="5157787" cy="823912"/>
           </a:xfrm>
           <a:prstGeom prst="rect">
             <a:avLst/>
           </a:prstGeom>
         </p:spPr>
-      </p:pic>
-      <p:pic>
-        <p:nvPicPr>
-          <p:cNvPr id="19" name="Immagine 18" descr="Immagine che contiene tavolo&#10;&#10;Descrizione generata automaticamente">
-            <a:extLst>
-              <a:ext uri="{FF2B5EF4-FFF2-40B4-BE49-F238E27FC236}">
-                <a16:creationId xmlns:a16="http://schemas.microsoft.com/office/drawing/2014/main" id="{B2BE7249-1CDB-4FCC-8C59-1280580AABB6}"/>
-              </a:ext>
-            </a:extLst>
-          </p:cNvPr>
-          <p:cNvPicPr>
-            <a:picLocks noChangeAspect="1"/>
-          </p:cNvPicPr>
+        <p:txBody>
+          <a:bodyPr vert="horz" lIns="91440" tIns="45720" rIns="91440" bIns="45720" rtlCol="0">
+            <a:normAutofit lnSpcReduction="10000"/>
+          </a:bodyPr>
+          <a:lstStyle>
+            <a:lvl1pPr marL="228600" indent="-228600" algn="l" defTabSz="914400" rtl="0" eaLnBrk="1" latinLnBrk="0" hangingPunct="1">
+              <a:lnSpc>
+                <a:spcPct val="90000"/>
+              </a:lnSpc>
+              <a:spcBef>
+                <a:spcPts val="1000"/>
+              </a:spcBef>
+              <a:buFont typeface="Arial" panose="020B0604020202020204" pitchFamily="34" charset="0"/>
+              <a:buChar char="•"/>
+              <a:defRPr sz="2800" kern="1200">
+                <a:solidFill>
+                  <a:schemeClr val="tx1"/>
+                </a:solidFill>
+                <a:latin typeface="+mn-lt"/>
+                <a:ea typeface="+mn-ea"/>
+                <a:cs typeface="+mn-cs"/>
+              </a:defRPr>
+            </a:lvl1pPr>
+            <a:lvl2pPr marL="685800" indent="-228600" algn="l" defTabSz="914400" rtl="0" eaLnBrk="1" latinLnBrk="0" hangingPunct="1">
+              <a:lnSpc>
+                <a:spcPct val="90000"/>
+              </a:lnSpc>
+              <a:spcBef>
+                <a:spcPts val="500"/>
+              </a:spcBef>
+              <a:buFont typeface="Arial" panose="020B0604020202020204" pitchFamily="34" charset="0"/>
+              <a:buChar char="•"/>
+              <a:defRPr sz="2400" kern="1200">
+                <a:solidFill>
+                  <a:schemeClr val="tx1"/>
+                </a:solidFill>
+                <a:latin typeface="+mn-lt"/>
+                <a:ea typeface="+mn-ea"/>
+                <a:cs typeface="+mn-cs"/>
+              </a:defRPr>
+            </a:lvl2pPr>
+            <a:lvl3pPr marL="1143000" indent="-228600" algn="l" defTabSz="914400" rtl="0" eaLnBrk="1" latinLnBrk="0" hangingPunct="1">
+              <a:lnSpc>
+                <a:spcPct val="90000"/>
+              </a:lnSpc>
+              <a:spcBef>
+                <a:spcPts val="500"/>
+              </a:spcBef>
+              <a:buFont typeface="Arial" panose="020B0604020202020204" pitchFamily="34" charset="0"/>
+              <a:buChar char="•"/>
+              <a:defRPr sz="2000" kern="1200">
+                <a:solidFill>
+                  <a:schemeClr val="tx1"/>
+                </a:solidFill>
+                <a:latin typeface="+mn-lt"/>
+                <a:ea typeface="+mn-ea"/>
+                <a:cs typeface="+mn-cs"/>
+              </a:defRPr>
+            </a:lvl3pPr>
+            <a:lvl4pPr marL="1600200" indent="-228600" algn="l" defTabSz="914400" rtl="0" eaLnBrk="1" latinLnBrk="0" hangingPunct="1">
+              <a:lnSpc>
+                <a:spcPct val="90000"/>
+              </a:lnSpc>
+              <a:spcBef>
+                <a:spcPts val="500"/>
+              </a:spcBef>
+              <a:buFont typeface="Arial" panose="020B0604020202020204" pitchFamily="34" charset="0"/>
+              <a:buChar char="•"/>
+              <a:defRPr sz="1800" kern="1200">
+                <a:solidFill>
+                  <a:schemeClr val="tx1"/>
+                </a:solidFill>
+                <a:latin typeface="+mn-lt"/>
+                <a:ea typeface="+mn-ea"/>
+                <a:cs typeface="+mn-cs"/>
+              </a:defRPr>
+            </a:lvl4pPr>
+            <a:lvl5pPr marL="2057400" indent="-228600" algn="l" defTabSz="914400" rtl="0" eaLnBrk="1" latinLnBrk="0" hangingPunct="1">
+              <a:lnSpc>
+                <a:spcPct val="90000"/>
+              </a:lnSpc>
+              <a:spcBef>
+                <a:spcPts val="500"/>
+              </a:spcBef>
+              <a:buFont typeface="Arial" panose="020B0604020202020204" pitchFamily="34" charset="0"/>
+              <a:buChar char="•"/>
+              <a:defRPr sz="1800" kern="1200">
+                <a:solidFill>
+                  <a:schemeClr val="tx1"/>
+                </a:solidFill>
+                <a:latin typeface="+mn-lt"/>
+                <a:ea typeface="+mn-ea"/>
+                <a:cs typeface="+mn-cs"/>
+              </a:defRPr>
+            </a:lvl5pPr>
+            <a:lvl6pPr marL="2514600" indent="-228600" algn="l" defTabSz="914400" rtl="0" eaLnBrk="1" latinLnBrk="0" hangingPunct="1">
+              <a:lnSpc>
+                <a:spcPct val="90000"/>
+              </a:lnSpc>
+              <a:spcBef>
+                <a:spcPts val="500"/>
+              </a:spcBef>
+              <a:buFont typeface="Arial" panose="020B0604020202020204" pitchFamily="34" charset="0"/>
+              <a:buChar char="•"/>
+              <a:defRPr sz="1800" kern="1200">
+                <a:solidFill>
+                  <a:schemeClr val="tx1"/>
+                </a:solidFill>
+                <a:latin typeface="+mn-lt"/>
+                <a:ea typeface="+mn-ea"/>
+                <a:cs typeface="+mn-cs"/>
+              </a:defRPr>
+            </a:lvl6pPr>
+            <a:lvl7pPr marL="2971800" indent="-228600" algn="l" defTabSz="914400" rtl="0" eaLnBrk="1" latinLnBrk="0" hangingPunct="1">
+              <a:lnSpc>
+                <a:spcPct val="90000"/>
+              </a:lnSpc>
+              <a:spcBef>
+                <a:spcPts val="500"/>
+              </a:spcBef>
+              <a:buFont typeface="Arial" panose="020B0604020202020204" pitchFamily="34" charset="0"/>
+              <a:buChar char="•"/>
+              <a:defRPr sz="1800" kern="1200">
+                <a:solidFill>
+                  <a:schemeClr val="tx1"/>
+                </a:solidFill>
+                <a:latin typeface="+mn-lt"/>
+                <a:ea typeface="+mn-ea"/>
+                <a:cs typeface="+mn-cs"/>
+              </a:defRPr>
+            </a:lvl7pPr>
+            <a:lvl8pPr marL="3429000" indent="-228600" algn="l" defTabSz="914400" rtl="0" eaLnBrk="1" latinLnBrk="0" hangingPunct="1">
+              <a:lnSpc>
+                <a:spcPct val="90000"/>
+              </a:lnSpc>
+              <a:spcBef>
+                <a:spcPts val="500"/>
+              </a:spcBef>
+              <a:buFont typeface="Arial" panose="020B0604020202020204" pitchFamily="34" charset="0"/>
+              <a:buChar char="•"/>
+              <a:defRPr sz="1800" kern="1200">
+                <a:solidFill>
+                  <a:schemeClr val="tx1"/>
+                </a:solidFill>
+                <a:latin typeface="+mn-lt"/>
+                <a:ea typeface="+mn-ea"/>
+                <a:cs typeface="+mn-cs"/>
+              </a:defRPr>
+            </a:lvl8pPr>
+            <a:lvl9pPr marL="3886200" indent="-228600" algn="l" defTabSz="914400" rtl="0" eaLnBrk="1" latinLnBrk="0" hangingPunct="1">
+              <a:lnSpc>
+                <a:spcPct val="90000"/>
+              </a:lnSpc>
+              <a:spcBef>
+                <a:spcPts val="500"/>
+              </a:spcBef>
+              <a:buFont typeface="Arial" panose="020B0604020202020204" pitchFamily="34" charset="0"/>
+              <a:buChar char="•"/>
+              <a:defRPr sz="1800" kern="1200">
+                <a:solidFill>
+                  <a:schemeClr val="tx1"/>
+                </a:solidFill>
+                <a:latin typeface="+mn-lt"/>
+                <a:ea typeface="+mn-ea"/>
+                <a:cs typeface="+mn-cs"/>
+              </a:defRPr>
+            </a:lvl9pPr>
+          </a:lstStyle>
+          <a:p>
+            <a:pPr marL="0" indent="0">
+              <a:buNone/>
+            </a:pPr>
+            <a:r>
+              <a:rPr lang="it-IT" b="1" dirty="0">
+                <a:latin typeface="Arial" panose="020B0604020202020204" pitchFamily="34" charset="0"/>
+                <a:cs typeface="Arial" panose="020B0604020202020204" pitchFamily="34" charset="0"/>
+              </a:rPr>
+              <a:t>APPRENDIMENTO SUPERVISIONATO</a:t>
+            </a:r>
+          </a:p>
+        </p:txBody>
+      </p:sp>
+      <p:sp>
+        <p:nvSpPr>
+          <p:cNvPr id="15" name="Segnaposto contenuto 3">
+            <a:extLst>
+              <a:ext uri="{FF2B5EF4-FFF2-40B4-BE49-F238E27FC236}">
+                <a16:creationId xmlns:a16="http://schemas.microsoft.com/office/drawing/2014/main" id="{68D0945D-E129-4F6F-A181-8042D2E38286}"/>
+              </a:ext>
+            </a:extLst>
+          </p:cNvPr>
+          <p:cNvSpPr txBox="1">
+            <a:spLocks/>
+          </p:cNvSpPr>
           <p:nvPr/>
-        </p:nvPicPr>
-        <p:blipFill>
-          <a:blip r:embed="rId3">
-            <a:extLst>
-              <a:ext uri="{28A0092B-C50C-407E-A947-70E740481C1C}">
-                <a14:useLocalDpi xmlns:a14="http://schemas.microsoft.com/office/drawing/2010/main" val="0"/>
-              </a:ext>
-            </a:extLst>
-          </a:blip>
-          <a:stretch>
-            <a:fillRect/>
-          </a:stretch>
-        </p:blipFill>
+        </p:nvSpPr>
         <p:spPr>
           <a:xfrm>
-            <a:off x="0" y="4123012"/>
-            <a:ext cx="9642707" cy="1552792"/>
+            <a:off x="741361" y="1336673"/>
+            <a:ext cx="5157787" cy="4852989"/>
           </a:xfrm>
           <a:prstGeom prst="rect">
             <a:avLst/>
           </a:prstGeom>
         </p:spPr>
-      </p:pic>
+        <p:txBody>
+          <a:bodyPr>
+            <a:normAutofit/>
+          </a:bodyPr>
+          <a:lstStyle>
+            <a:lvl1pPr marL="228600" indent="-228600" algn="l" defTabSz="914400" rtl="0" eaLnBrk="1" latinLnBrk="0" hangingPunct="1">
+              <a:lnSpc>
+                <a:spcPct val="90000"/>
+              </a:lnSpc>
+              <a:spcBef>
+                <a:spcPts val="1000"/>
+              </a:spcBef>
+              <a:buFont typeface="Arial" panose="020B0604020202020204" pitchFamily="34" charset="0"/>
+              <a:buChar char="•"/>
+              <a:defRPr sz="2800" kern="1200">
+                <a:solidFill>
+                  <a:schemeClr val="tx1"/>
+                </a:solidFill>
+                <a:latin typeface="+mn-lt"/>
+                <a:ea typeface="+mn-ea"/>
+                <a:cs typeface="+mn-cs"/>
+              </a:defRPr>
+            </a:lvl1pPr>
+            <a:lvl2pPr marL="685800" indent="-228600" algn="l" defTabSz="914400" rtl="0" eaLnBrk="1" latinLnBrk="0" hangingPunct="1">
+              <a:lnSpc>
+                <a:spcPct val="90000"/>
+              </a:lnSpc>
+              <a:spcBef>
+                <a:spcPts val="500"/>
+              </a:spcBef>
+              <a:buFont typeface="Arial" panose="020B0604020202020204" pitchFamily="34" charset="0"/>
+              <a:buChar char="•"/>
+              <a:defRPr sz="2400" kern="1200">
+                <a:solidFill>
+                  <a:schemeClr val="tx1"/>
+                </a:solidFill>
+                <a:latin typeface="+mn-lt"/>
+                <a:ea typeface="+mn-ea"/>
+                <a:cs typeface="+mn-cs"/>
+              </a:defRPr>
+            </a:lvl2pPr>
+            <a:lvl3pPr marL="1143000" indent="-228600" algn="l" defTabSz="914400" rtl="0" eaLnBrk="1" latinLnBrk="0" hangingPunct="1">
+              <a:lnSpc>
+                <a:spcPct val="90000"/>
+              </a:lnSpc>
+              <a:spcBef>
+                <a:spcPts val="500"/>
+              </a:spcBef>
+              <a:buFont typeface="Arial" panose="020B0604020202020204" pitchFamily="34" charset="0"/>
+              <a:buChar char="•"/>
+              <a:defRPr sz="2000" kern="1200">
+                <a:solidFill>
+                  <a:schemeClr val="tx1"/>
+                </a:solidFill>
+                <a:latin typeface="+mn-lt"/>
+                <a:ea typeface="+mn-ea"/>
+                <a:cs typeface="+mn-cs"/>
+              </a:defRPr>
+            </a:lvl3pPr>
+            <a:lvl4pPr marL="1600200" indent="-228600" algn="l" defTabSz="914400" rtl="0" eaLnBrk="1" latinLnBrk="0" hangingPunct="1">
+              <a:lnSpc>
+                <a:spcPct val="90000"/>
+              </a:lnSpc>
+              <a:spcBef>
+                <a:spcPts val="500"/>
+              </a:spcBef>
+              <a:buFont typeface="Arial" panose="020B0604020202020204" pitchFamily="34" charset="0"/>
+              <a:buChar char="•"/>
+              <a:defRPr sz="1800" kern="1200">
+                <a:solidFill>
+                  <a:schemeClr val="tx1"/>
+                </a:solidFill>
+                <a:latin typeface="+mn-lt"/>
+                <a:ea typeface="+mn-ea"/>
+                <a:cs typeface="+mn-cs"/>
+              </a:defRPr>
+            </a:lvl4pPr>
+            <a:lvl5pPr marL="2057400" indent="-228600" algn="l" defTabSz="914400" rtl="0" eaLnBrk="1" latinLnBrk="0" hangingPunct="1">
+              <a:lnSpc>
+                <a:spcPct val="90000"/>
+              </a:lnSpc>
+              <a:spcBef>
+                <a:spcPts val="500"/>
+              </a:spcBef>
+              <a:buFont typeface="Arial" panose="020B0604020202020204" pitchFamily="34" charset="0"/>
+              <a:buChar char="•"/>
+              <a:defRPr sz="1800" kern="1200">
+                <a:solidFill>
+                  <a:schemeClr val="tx1"/>
+                </a:solidFill>
+                <a:latin typeface="+mn-lt"/>
+                <a:ea typeface="+mn-ea"/>
+                <a:cs typeface="+mn-cs"/>
+              </a:defRPr>
+            </a:lvl5pPr>
+            <a:lvl6pPr marL="2514600" indent="-228600" algn="l" defTabSz="914400" rtl="0" eaLnBrk="1" latinLnBrk="0" hangingPunct="1">
+              <a:lnSpc>
+                <a:spcPct val="90000"/>
+              </a:lnSpc>
+              <a:spcBef>
+                <a:spcPts val="500"/>
+              </a:spcBef>
+              <a:buFont typeface="Arial" panose="020B0604020202020204" pitchFamily="34" charset="0"/>
+              <a:buChar char="•"/>
+              <a:defRPr sz="1800" kern="1200">
+                <a:solidFill>
+                  <a:schemeClr val="tx1"/>
+                </a:solidFill>
+                <a:latin typeface="+mn-lt"/>
+                <a:ea typeface="+mn-ea"/>
+                <a:cs typeface="+mn-cs"/>
+              </a:defRPr>
+            </a:lvl6pPr>
+            <a:lvl7pPr marL="2971800" indent="-228600" algn="l" defTabSz="914400" rtl="0" eaLnBrk="1" latinLnBrk="0" hangingPunct="1">
+              <a:lnSpc>
+                <a:spcPct val="90000"/>
+              </a:lnSpc>
+              <a:spcBef>
+                <a:spcPts val="500"/>
+              </a:spcBef>
+              <a:buFont typeface="Arial" panose="020B0604020202020204" pitchFamily="34" charset="0"/>
+              <a:buChar char="•"/>
+              <a:defRPr sz="1800" kern="1200">
+                <a:solidFill>
+                  <a:schemeClr val="tx1"/>
+                </a:solidFill>
+                <a:latin typeface="+mn-lt"/>
+                <a:ea typeface="+mn-ea"/>
+                <a:cs typeface="+mn-cs"/>
+              </a:defRPr>
+            </a:lvl7pPr>
+            <a:lvl8pPr marL="3429000" indent="-228600" algn="l" defTabSz="914400" rtl="0" eaLnBrk="1" latinLnBrk="0" hangingPunct="1">
+              <a:lnSpc>
+                <a:spcPct val="90000"/>
+              </a:lnSpc>
+              <a:spcBef>
+                <a:spcPts val="500"/>
+              </a:spcBef>
+              <a:buFont typeface="Arial" panose="020B0604020202020204" pitchFamily="34" charset="0"/>
+              <a:buChar char="•"/>
+              <a:defRPr sz="1800" kern="1200">
+                <a:solidFill>
+                  <a:schemeClr val="tx1"/>
+                </a:solidFill>
+                <a:latin typeface="+mn-lt"/>
+                <a:ea typeface="+mn-ea"/>
+                <a:cs typeface="+mn-cs"/>
+              </a:defRPr>
+            </a:lvl8pPr>
+            <a:lvl9pPr marL="3886200" indent="-228600" algn="l" defTabSz="914400" rtl="0" eaLnBrk="1" latinLnBrk="0" hangingPunct="1">
+              <a:lnSpc>
+                <a:spcPct val="90000"/>
+              </a:lnSpc>
+              <a:spcBef>
+                <a:spcPts val="500"/>
+              </a:spcBef>
+              <a:buFont typeface="Arial" panose="020B0604020202020204" pitchFamily="34" charset="0"/>
+              <a:buChar char="•"/>
+              <a:defRPr sz="1800" kern="1200">
+                <a:solidFill>
+                  <a:schemeClr val="tx1"/>
+                </a:solidFill>
+                <a:latin typeface="+mn-lt"/>
+                <a:ea typeface="+mn-ea"/>
+                <a:cs typeface="+mn-cs"/>
+              </a:defRPr>
+            </a:lvl9pPr>
+          </a:lstStyle>
+          <a:p>
+            <a:pPr marL="0" indent="0">
+              <a:buFont typeface="Arial" panose="020B0604020202020204" pitchFamily="34" charset="0"/>
+              <a:buNone/>
+            </a:pPr>
+            <a:endParaRPr lang="it-IT" sz="1800" dirty="0"/>
+          </a:p>
+          <a:p>
+            <a:pPr marL="0" indent="0">
+              <a:buFont typeface="Arial" panose="020B0604020202020204" pitchFamily="34" charset="0"/>
+              <a:buNone/>
+            </a:pPr>
+            <a:r>
+              <a:rPr lang="it-IT" sz="2000" dirty="0"/>
+              <a:t>L’agente apprende usando dati etichettati il valore di una variabile detta </a:t>
+            </a:r>
+            <a:r>
+              <a:rPr lang="it-IT" sz="2000" b="1" dirty="0"/>
+              <a:t>DIPENDENTE</a:t>
+            </a:r>
+            <a:r>
+              <a:rPr lang="it-IT" sz="2000" dirty="0"/>
+              <a:t>. </a:t>
+            </a:r>
+          </a:p>
+          <a:p>
+            <a:pPr marL="0" indent="0">
+              <a:buFont typeface="Arial" panose="020B0604020202020204" pitchFamily="34" charset="0"/>
+              <a:buNone/>
+            </a:pPr>
+            <a:endParaRPr lang="it-IT" sz="2000" b="1" dirty="0"/>
+          </a:p>
+          <a:p>
+            <a:pPr marL="0" indent="0">
+              <a:buFont typeface="Arial" panose="020B0604020202020204" pitchFamily="34" charset="0"/>
+              <a:buNone/>
+            </a:pPr>
+            <a:r>
+              <a:rPr lang="it-IT" sz="2000" dirty="0"/>
+              <a:t>In ogni osservazione, il valore di questa variabile è conosciuto.</a:t>
+            </a:r>
+            <a:endParaRPr lang="it-IT" sz="2400" dirty="0"/>
+          </a:p>
+        </p:txBody>
+      </p:sp>
       <p:sp>
         <p:nvSpPr>
-          <p:cNvPr id="2" name="CasellaDiTesto 1">
-            <a:extLst>
-              <a:ext uri="{FF2B5EF4-FFF2-40B4-BE49-F238E27FC236}">
-                <a16:creationId xmlns:a16="http://schemas.microsoft.com/office/drawing/2014/main" id="{522C5C44-73FD-4EAC-839B-0413E2A29D6C}"/>
-              </a:ext>
-            </a:extLst>
-          </p:cNvPr>
-          <p:cNvSpPr txBox="1"/>
+          <p:cNvPr id="17" name="Segnaposto testo 4">
+            <a:extLst>
+              <a:ext uri="{FF2B5EF4-FFF2-40B4-BE49-F238E27FC236}">
+                <a16:creationId xmlns:a16="http://schemas.microsoft.com/office/drawing/2014/main" id="{6281E9A4-C9DD-4DB8-BEEE-927BC3ED80E9}"/>
+              </a:ext>
+            </a:extLst>
+          </p:cNvPr>
+          <p:cNvSpPr txBox="1">
+            <a:spLocks/>
+          </p:cNvSpPr>
           <p:nvPr/>
         </p:nvSpPr>
         <p:spPr>
           <a:xfrm>
-            <a:off x="132522" y="159026"/>
-            <a:ext cx="7222435" cy="646331"/>
+            <a:off x="6169025" y="256381"/>
+            <a:ext cx="5373618" cy="823912"/>
           </a:xfrm>
           <a:prstGeom prst="rect">
             <a:avLst/>
           </a:prstGeom>
-          <a:noFill/>
         </p:spPr>
         <p:txBody>
-          <a:bodyPr wrap="square" rtlCol="0">
-            <a:spAutoFit/>
-          </a:bodyPr>
-          <a:lstStyle/>
-          <a:p>
-            <a:r>
-              <a:rPr lang="it-IT" sz="3600" dirty="0">
+          <a:bodyPr/>
+          <a:lstStyle>
+            <a:lvl1pPr marL="228600" indent="-228600" algn="l" defTabSz="914400" rtl="0" eaLnBrk="1" latinLnBrk="0" hangingPunct="1">
+              <a:lnSpc>
+                <a:spcPct val="90000"/>
+              </a:lnSpc>
+              <a:spcBef>
+                <a:spcPts val="1000"/>
+              </a:spcBef>
+              <a:buFont typeface="Arial" panose="020B0604020202020204" pitchFamily="34" charset="0"/>
+              <a:buChar char="•"/>
+              <a:defRPr sz="2800" kern="1200">
+                <a:solidFill>
+                  <a:schemeClr val="tx1"/>
+                </a:solidFill>
+                <a:latin typeface="+mn-lt"/>
+                <a:ea typeface="+mn-ea"/>
+                <a:cs typeface="+mn-cs"/>
+              </a:defRPr>
+            </a:lvl1pPr>
+            <a:lvl2pPr marL="685800" indent="-228600" algn="l" defTabSz="914400" rtl="0" eaLnBrk="1" latinLnBrk="0" hangingPunct="1">
+              <a:lnSpc>
+                <a:spcPct val="90000"/>
+              </a:lnSpc>
+              <a:spcBef>
+                <a:spcPts val="500"/>
+              </a:spcBef>
+              <a:buFont typeface="Arial" panose="020B0604020202020204" pitchFamily="34" charset="0"/>
+              <a:buChar char="•"/>
+              <a:defRPr sz="2400" kern="1200">
+                <a:solidFill>
+                  <a:schemeClr val="tx1"/>
+                </a:solidFill>
+                <a:latin typeface="+mn-lt"/>
+                <a:ea typeface="+mn-ea"/>
+                <a:cs typeface="+mn-cs"/>
+              </a:defRPr>
+            </a:lvl2pPr>
+            <a:lvl3pPr marL="1143000" indent="-228600" algn="l" defTabSz="914400" rtl="0" eaLnBrk="1" latinLnBrk="0" hangingPunct="1">
+              <a:lnSpc>
+                <a:spcPct val="90000"/>
+              </a:lnSpc>
+              <a:spcBef>
+                <a:spcPts val="500"/>
+              </a:spcBef>
+              <a:buFont typeface="Arial" panose="020B0604020202020204" pitchFamily="34" charset="0"/>
+              <a:buChar char="•"/>
+              <a:defRPr sz="2000" kern="1200">
+                <a:solidFill>
+                  <a:schemeClr val="tx1"/>
+                </a:solidFill>
+                <a:latin typeface="+mn-lt"/>
+                <a:ea typeface="+mn-ea"/>
+                <a:cs typeface="+mn-cs"/>
+              </a:defRPr>
+            </a:lvl3pPr>
+            <a:lvl4pPr marL="1600200" indent="-228600" algn="l" defTabSz="914400" rtl="0" eaLnBrk="1" latinLnBrk="0" hangingPunct="1">
+              <a:lnSpc>
+                <a:spcPct val="90000"/>
+              </a:lnSpc>
+              <a:spcBef>
+                <a:spcPts val="500"/>
+              </a:spcBef>
+              <a:buFont typeface="Arial" panose="020B0604020202020204" pitchFamily="34" charset="0"/>
+              <a:buChar char="•"/>
+              <a:defRPr sz="1800" kern="1200">
+                <a:solidFill>
+                  <a:schemeClr val="tx1"/>
+                </a:solidFill>
+                <a:latin typeface="+mn-lt"/>
+                <a:ea typeface="+mn-ea"/>
+                <a:cs typeface="+mn-cs"/>
+              </a:defRPr>
+            </a:lvl4pPr>
+            <a:lvl5pPr marL="2057400" indent="-228600" algn="l" defTabSz="914400" rtl="0" eaLnBrk="1" latinLnBrk="0" hangingPunct="1">
+              <a:lnSpc>
+                <a:spcPct val="90000"/>
+              </a:lnSpc>
+              <a:spcBef>
+                <a:spcPts val="500"/>
+              </a:spcBef>
+              <a:buFont typeface="Arial" panose="020B0604020202020204" pitchFamily="34" charset="0"/>
+              <a:buChar char="•"/>
+              <a:defRPr sz="1800" kern="1200">
+                <a:solidFill>
+                  <a:schemeClr val="tx1"/>
+                </a:solidFill>
+                <a:latin typeface="+mn-lt"/>
+                <a:ea typeface="+mn-ea"/>
+                <a:cs typeface="+mn-cs"/>
+              </a:defRPr>
+            </a:lvl5pPr>
+            <a:lvl6pPr marL="2514600" indent="-228600" algn="l" defTabSz="914400" rtl="0" eaLnBrk="1" latinLnBrk="0" hangingPunct="1">
+              <a:lnSpc>
+                <a:spcPct val="90000"/>
+              </a:lnSpc>
+              <a:spcBef>
+                <a:spcPts val="500"/>
+              </a:spcBef>
+              <a:buFont typeface="Arial" panose="020B0604020202020204" pitchFamily="34" charset="0"/>
+              <a:buChar char="•"/>
+              <a:defRPr sz="1800" kern="1200">
+                <a:solidFill>
+                  <a:schemeClr val="tx1"/>
+                </a:solidFill>
+                <a:latin typeface="+mn-lt"/>
+                <a:ea typeface="+mn-ea"/>
+                <a:cs typeface="+mn-cs"/>
+              </a:defRPr>
+            </a:lvl6pPr>
+            <a:lvl7pPr marL="2971800" indent="-228600" algn="l" defTabSz="914400" rtl="0" eaLnBrk="1" latinLnBrk="0" hangingPunct="1">
+              <a:lnSpc>
+                <a:spcPct val="90000"/>
+              </a:lnSpc>
+              <a:spcBef>
+                <a:spcPts val="500"/>
+              </a:spcBef>
+              <a:buFont typeface="Arial" panose="020B0604020202020204" pitchFamily="34" charset="0"/>
+              <a:buChar char="•"/>
+              <a:defRPr sz="1800" kern="1200">
+                <a:solidFill>
+                  <a:schemeClr val="tx1"/>
+                </a:solidFill>
+                <a:latin typeface="+mn-lt"/>
+                <a:ea typeface="+mn-ea"/>
+                <a:cs typeface="+mn-cs"/>
+              </a:defRPr>
+            </a:lvl7pPr>
+            <a:lvl8pPr marL="3429000" indent="-228600" algn="l" defTabSz="914400" rtl="0" eaLnBrk="1" latinLnBrk="0" hangingPunct="1">
+              <a:lnSpc>
+                <a:spcPct val="90000"/>
+              </a:lnSpc>
+              <a:spcBef>
+                <a:spcPts val="500"/>
+              </a:spcBef>
+              <a:buFont typeface="Arial" panose="020B0604020202020204" pitchFamily="34" charset="0"/>
+              <a:buChar char="•"/>
+              <a:defRPr sz="1800" kern="1200">
+                <a:solidFill>
+                  <a:schemeClr val="tx1"/>
+                </a:solidFill>
+                <a:latin typeface="+mn-lt"/>
+                <a:ea typeface="+mn-ea"/>
+                <a:cs typeface="+mn-cs"/>
+              </a:defRPr>
+            </a:lvl8pPr>
+            <a:lvl9pPr marL="3886200" indent="-228600" algn="l" defTabSz="914400" rtl="0" eaLnBrk="1" latinLnBrk="0" hangingPunct="1">
+              <a:lnSpc>
+                <a:spcPct val="90000"/>
+              </a:lnSpc>
+              <a:spcBef>
+                <a:spcPts val="500"/>
+              </a:spcBef>
+              <a:buFont typeface="Arial" panose="020B0604020202020204" pitchFamily="34" charset="0"/>
+              <a:buChar char="•"/>
+              <a:defRPr sz="1800" kern="1200">
+                <a:solidFill>
+                  <a:schemeClr val="tx1"/>
+                </a:solidFill>
+                <a:latin typeface="+mn-lt"/>
+                <a:ea typeface="+mn-ea"/>
+                <a:cs typeface="+mn-cs"/>
+              </a:defRPr>
+            </a:lvl9pPr>
+          </a:lstStyle>
+          <a:p>
+            <a:pPr marL="0" indent="0">
+              <a:buNone/>
+            </a:pPr>
+            <a:r>
+              <a:rPr lang="it-IT" b="1" dirty="0">
                 <a:latin typeface="Arial" panose="020B0604020202020204" pitchFamily="34" charset="0"/>
                 <a:cs typeface="Arial" panose="020B0604020202020204" pitchFamily="34" charset="0"/>
               </a:rPr>
-              <a:t>DEMO - 2</a:t>
-            </a:r>
+              <a:t>APPRENDIMENTO NON SUPERVSIONATO</a:t>
+            </a:r>
+          </a:p>
+        </p:txBody>
+      </p:sp>
+      <p:sp>
+        <p:nvSpPr>
+          <p:cNvPr id="20" name="Segnaposto contenuto 5">
+            <a:extLst>
+              <a:ext uri="{FF2B5EF4-FFF2-40B4-BE49-F238E27FC236}">
+                <a16:creationId xmlns:a16="http://schemas.microsoft.com/office/drawing/2014/main" id="{6B99AFF9-FC2D-4234-BC1D-B25E6C913B48}"/>
+              </a:ext>
+            </a:extLst>
+          </p:cNvPr>
+          <p:cNvSpPr txBox="1">
+            <a:spLocks/>
+          </p:cNvSpPr>
+          <p:nvPr/>
+        </p:nvSpPr>
+        <p:spPr>
+          <a:xfrm>
+            <a:off x="6096000" y="1336673"/>
+            <a:ext cx="5183188" cy="4852990"/>
+          </a:xfrm>
+          <a:prstGeom prst="rect">
+            <a:avLst/>
+          </a:prstGeom>
+        </p:spPr>
+        <p:txBody>
+          <a:bodyPr/>
+          <a:lstStyle>
+            <a:lvl1pPr marL="228600" indent="-228600" algn="l" defTabSz="914400" rtl="0" eaLnBrk="1" latinLnBrk="0" hangingPunct="1">
+              <a:lnSpc>
+                <a:spcPct val="90000"/>
+              </a:lnSpc>
+              <a:spcBef>
+                <a:spcPts val="1000"/>
+              </a:spcBef>
+              <a:buFont typeface="Arial" panose="020B0604020202020204" pitchFamily="34" charset="0"/>
+              <a:buChar char="•"/>
+              <a:defRPr sz="2800" kern="1200">
+                <a:solidFill>
+                  <a:schemeClr val="tx1"/>
+                </a:solidFill>
+                <a:latin typeface="+mn-lt"/>
+                <a:ea typeface="+mn-ea"/>
+                <a:cs typeface="+mn-cs"/>
+              </a:defRPr>
+            </a:lvl1pPr>
+            <a:lvl2pPr marL="685800" indent="-228600" algn="l" defTabSz="914400" rtl="0" eaLnBrk="1" latinLnBrk="0" hangingPunct="1">
+              <a:lnSpc>
+                <a:spcPct val="90000"/>
+              </a:lnSpc>
+              <a:spcBef>
+                <a:spcPts val="500"/>
+              </a:spcBef>
+              <a:buFont typeface="Arial" panose="020B0604020202020204" pitchFamily="34" charset="0"/>
+              <a:buChar char="•"/>
+              <a:defRPr sz="2400" kern="1200">
+                <a:solidFill>
+                  <a:schemeClr val="tx1"/>
+                </a:solidFill>
+                <a:latin typeface="+mn-lt"/>
+                <a:ea typeface="+mn-ea"/>
+                <a:cs typeface="+mn-cs"/>
+              </a:defRPr>
+            </a:lvl2pPr>
+            <a:lvl3pPr marL="1143000" indent="-228600" algn="l" defTabSz="914400" rtl="0" eaLnBrk="1" latinLnBrk="0" hangingPunct="1">
+              <a:lnSpc>
+                <a:spcPct val="90000"/>
+              </a:lnSpc>
+              <a:spcBef>
+                <a:spcPts val="500"/>
+              </a:spcBef>
+              <a:buFont typeface="Arial" panose="020B0604020202020204" pitchFamily="34" charset="0"/>
+              <a:buChar char="•"/>
+              <a:defRPr sz="2000" kern="1200">
+                <a:solidFill>
+                  <a:schemeClr val="tx1"/>
+                </a:solidFill>
+                <a:latin typeface="+mn-lt"/>
+                <a:ea typeface="+mn-ea"/>
+                <a:cs typeface="+mn-cs"/>
+              </a:defRPr>
+            </a:lvl3pPr>
+            <a:lvl4pPr marL="1600200" indent="-228600" algn="l" defTabSz="914400" rtl="0" eaLnBrk="1" latinLnBrk="0" hangingPunct="1">
+              <a:lnSpc>
+                <a:spcPct val="90000"/>
+              </a:lnSpc>
+              <a:spcBef>
+                <a:spcPts val="500"/>
+              </a:spcBef>
+              <a:buFont typeface="Arial" panose="020B0604020202020204" pitchFamily="34" charset="0"/>
+              <a:buChar char="•"/>
+              <a:defRPr sz="1800" kern="1200">
+                <a:solidFill>
+                  <a:schemeClr val="tx1"/>
+                </a:solidFill>
+                <a:latin typeface="+mn-lt"/>
+                <a:ea typeface="+mn-ea"/>
+                <a:cs typeface="+mn-cs"/>
+              </a:defRPr>
+            </a:lvl4pPr>
+            <a:lvl5pPr marL="2057400" indent="-228600" algn="l" defTabSz="914400" rtl="0" eaLnBrk="1" latinLnBrk="0" hangingPunct="1">
+              <a:lnSpc>
+                <a:spcPct val="90000"/>
+              </a:lnSpc>
+              <a:spcBef>
+                <a:spcPts val="500"/>
+              </a:spcBef>
+              <a:buFont typeface="Arial" panose="020B0604020202020204" pitchFamily="34" charset="0"/>
+              <a:buChar char="•"/>
+              <a:defRPr sz="1800" kern="1200">
+                <a:solidFill>
+                  <a:schemeClr val="tx1"/>
+                </a:solidFill>
+                <a:latin typeface="+mn-lt"/>
+                <a:ea typeface="+mn-ea"/>
+                <a:cs typeface="+mn-cs"/>
+              </a:defRPr>
+            </a:lvl5pPr>
+            <a:lvl6pPr marL="2514600" indent="-228600" algn="l" defTabSz="914400" rtl="0" eaLnBrk="1" latinLnBrk="0" hangingPunct="1">
+              <a:lnSpc>
+                <a:spcPct val="90000"/>
+              </a:lnSpc>
+              <a:spcBef>
+                <a:spcPts val="500"/>
+              </a:spcBef>
+              <a:buFont typeface="Arial" panose="020B0604020202020204" pitchFamily="34" charset="0"/>
+              <a:buChar char="•"/>
+              <a:defRPr sz="1800" kern="1200">
+                <a:solidFill>
+                  <a:schemeClr val="tx1"/>
+                </a:solidFill>
+                <a:latin typeface="+mn-lt"/>
+                <a:ea typeface="+mn-ea"/>
+                <a:cs typeface="+mn-cs"/>
+              </a:defRPr>
+            </a:lvl6pPr>
+            <a:lvl7pPr marL="2971800" indent="-228600" algn="l" defTabSz="914400" rtl="0" eaLnBrk="1" latinLnBrk="0" hangingPunct="1">
+              <a:lnSpc>
+                <a:spcPct val="90000"/>
+              </a:lnSpc>
+              <a:spcBef>
+                <a:spcPts val="500"/>
+              </a:spcBef>
+              <a:buFont typeface="Arial" panose="020B0604020202020204" pitchFamily="34" charset="0"/>
+              <a:buChar char="•"/>
+              <a:defRPr sz="1800" kern="1200">
+                <a:solidFill>
+                  <a:schemeClr val="tx1"/>
+                </a:solidFill>
+                <a:latin typeface="+mn-lt"/>
+                <a:ea typeface="+mn-ea"/>
+                <a:cs typeface="+mn-cs"/>
+              </a:defRPr>
+            </a:lvl7pPr>
+            <a:lvl8pPr marL="3429000" indent="-228600" algn="l" defTabSz="914400" rtl="0" eaLnBrk="1" latinLnBrk="0" hangingPunct="1">
+              <a:lnSpc>
+                <a:spcPct val="90000"/>
+              </a:lnSpc>
+              <a:spcBef>
+                <a:spcPts val="500"/>
+              </a:spcBef>
+              <a:buFont typeface="Arial" panose="020B0604020202020204" pitchFamily="34" charset="0"/>
+              <a:buChar char="•"/>
+              <a:defRPr sz="1800" kern="1200">
+                <a:solidFill>
+                  <a:schemeClr val="tx1"/>
+                </a:solidFill>
+                <a:latin typeface="+mn-lt"/>
+                <a:ea typeface="+mn-ea"/>
+                <a:cs typeface="+mn-cs"/>
+              </a:defRPr>
+            </a:lvl8pPr>
+            <a:lvl9pPr marL="3886200" indent="-228600" algn="l" defTabSz="914400" rtl="0" eaLnBrk="1" latinLnBrk="0" hangingPunct="1">
+              <a:lnSpc>
+                <a:spcPct val="90000"/>
+              </a:lnSpc>
+              <a:spcBef>
+                <a:spcPts val="500"/>
+              </a:spcBef>
+              <a:buFont typeface="Arial" panose="020B0604020202020204" pitchFamily="34" charset="0"/>
+              <a:buChar char="•"/>
+              <a:defRPr sz="1800" kern="1200">
+                <a:solidFill>
+                  <a:schemeClr val="tx1"/>
+                </a:solidFill>
+                <a:latin typeface="+mn-lt"/>
+                <a:ea typeface="+mn-ea"/>
+                <a:cs typeface="+mn-cs"/>
+              </a:defRPr>
+            </a:lvl9pPr>
+          </a:lstStyle>
+          <a:p>
+            <a:pPr marL="0" indent="0">
+              <a:buFont typeface="Arial" panose="020B0604020202020204" pitchFamily="34" charset="0"/>
+              <a:buNone/>
+            </a:pPr>
+            <a:endParaRPr lang="it-IT" sz="2000" dirty="0"/>
+          </a:p>
+          <a:p>
+            <a:pPr marL="0" indent="0">
+              <a:buFont typeface="Arial" panose="020B0604020202020204" pitchFamily="34" charset="0"/>
+              <a:buNone/>
+            </a:pPr>
+            <a:r>
+              <a:rPr lang="it-IT" sz="2000" dirty="0"/>
+              <a:t>L’agente apprende usando dati </a:t>
+            </a:r>
+            <a:r>
+              <a:rPr lang="it-IT" sz="2000" b="1" dirty="0"/>
+              <a:t>NON</a:t>
+            </a:r>
+            <a:r>
+              <a:rPr lang="it-IT" sz="2000" dirty="0"/>
+              <a:t> etichettati il valore di una variabile detta </a:t>
+            </a:r>
+            <a:r>
+              <a:rPr lang="it-IT" sz="2000" b="1" dirty="0"/>
+              <a:t>DIPENDENTE</a:t>
+            </a:r>
+            <a:r>
+              <a:rPr lang="it-IT" sz="2000" dirty="0"/>
+              <a:t>.</a:t>
+            </a:r>
+          </a:p>
+          <a:p>
+            <a:pPr marL="0" indent="0">
+              <a:buFont typeface="Arial" panose="020B0604020202020204" pitchFamily="34" charset="0"/>
+              <a:buNone/>
+            </a:pPr>
+            <a:endParaRPr lang="it-IT" sz="2000" dirty="0"/>
+          </a:p>
+          <a:p>
+            <a:pPr marL="0" indent="0">
+              <a:buFont typeface="Arial" panose="020B0604020202020204" pitchFamily="34" charset="0"/>
+              <a:buNone/>
+            </a:pPr>
+            <a:r>
+              <a:rPr lang="it-IT" sz="2000" dirty="0"/>
+              <a:t>In ogni osservazione, il valore di questa variabile </a:t>
+            </a:r>
+            <a:r>
+              <a:rPr lang="it-IT" sz="2000" b="1" dirty="0"/>
+              <a:t>NON</a:t>
+            </a:r>
+            <a:r>
+              <a:rPr lang="it-IT" sz="2000" dirty="0"/>
+              <a:t> è noto.</a:t>
+            </a:r>
+            <a:endParaRPr lang="it-IT" dirty="0"/>
           </a:p>
         </p:txBody>
       </p:sp>
@@ -12833,6 +13620,1282 @@
     <p:extLst>
       <p:ext uri="{BB962C8B-B14F-4D97-AF65-F5344CB8AC3E}">
         <p14:creationId xmlns:p14="http://schemas.microsoft.com/office/powerpoint/2010/main" val="3963524000"/>
+      </p:ext>
+    </p:extLst>
+  </p:cSld>
+  <p:clrMapOvr>
+    <a:masterClrMapping/>
+  </p:clrMapOvr>
+</p:sld>
+</file>
+
+<file path=ppt/slides/slide29.xml><?xml version="1.0" encoding="utf-8"?>
+<p:sld xmlns:a="http://schemas.openxmlformats.org/drawingml/2006/main" xmlns:r="http://schemas.openxmlformats.org/officeDocument/2006/relationships" xmlns:p="http://schemas.openxmlformats.org/presentationml/2006/main">
+  <p:cSld>
+    <p:bg>
+      <p:bgPr>
+        <a:solidFill>
+          <a:schemeClr val="bg1"/>
+        </a:solidFill>
+        <a:effectLst/>
+      </p:bgPr>
+    </p:bg>
+    <p:spTree>
+      <p:nvGrpSpPr>
+        <p:cNvPr id="1" name=""/>
+        <p:cNvGrpSpPr/>
+        <p:nvPr/>
+      </p:nvGrpSpPr>
+      <p:grpSpPr>
+        <a:xfrm>
+          <a:off x="0" y="0"/>
+          <a:ext cx="0" cy="0"/>
+          <a:chOff x="0" y="0"/>
+          <a:chExt cx="0" cy="0"/>
+        </a:xfrm>
+      </p:grpSpPr>
+      <p:sp>
+        <p:nvSpPr>
+          <p:cNvPr id="10" name="Rectangle 9">
+            <a:extLst>
+              <a:ext uri="{FF2B5EF4-FFF2-40B4-BE49-F238E27FC236}">
+                <a16:creationId xmlns:a16="http://schemas.microsoft.com/office/drawing/2014/main" id="{86FF76B9-219D-4469-AF87-0236D29032F1}"/>
+              </a:ext>
+              <a:ext uri="{C183D7F6-B498-43B3-948B-1728B52AA6E4}">
+                <adec:decorative xmlns:adec="http://schemas.microsoft.com/office/drawing/2017/decorative" val="1"/>
+              </a:ext>
+            </a:extLst>
+          </p:cNvPr>
+          <p:cNvSpPr>
+            <a:spLocks noGrp="1" noRot="1" noChangeAspect="1" noMove="1" noResize="1" noEditPoints="1" noAdjustHandles="1" noChangeArrowheads="1" noChangeShapeType="1" noTextEdit="1"/>
+          </p:cNvSpPr>
+          <p:nvPr>
+            <p:extLst>
+              <p:ext uri="{386F3935-93C4-4BCD-93E2-E3B085C9AB24}">
+                <p16:designElem xmlns:p16="http://schemas.microsoft.com/office/powerpoint/2015/main" val="1"/>
+              </p:ext>
+            </p:extLst>
+          </p:nvPr>
+        </p:nvSpPr>
+        <p:spPr>
+          <a:xfrm>
+            <a:off x="0" y="0"/>
+            <a:ext cx="12192000" cy="6858000"/>
+          </a:xfrm>
+          <a:prstGeom prst="rect">
+            <a:avLst/>
+          </a:prstGeom>
+          <a:solidFill>
+            <a:schemeClr val="bg1"/>
+          </a:solidFill>
+          <a:ln>
+            <a:noFill/>
+          </a:ln>
+        </p:spPr>
+        <p:style>
+          <a:lnRef idx="2">
+            <a:schemeClr val="accent1">
+              <a:shade val="50000"/>
+            </a:schemeClr>
+          </a:lnRef>
+          <a:fillRef idx="1">
+            <a:schemeClr val="accent1"/>
+          </a:fillRef>
+          <a:effectRef idx="0">
+            <a:schemeClr val="accent1"/>
+          </a:effectRef>
+          <a:fontRef idx="minor">
+            <a:schemeClr val="lt1"/>
+          </a:fontRef>
+        </p:style>
+        <p:txBody>
+          <a:bodyPr rtlCol="0" anchor="ctr"/>
+          <a:lstStyle/>
+          <a:p>
+            <a:pPr algn="ctr"/>
+            <a:endParaRPr lang="en-US" dirty="0"/>
+          </a:p>
+        </p:txBody>
+      </p:sp>
+      <p:grpSp>
+        <p:nvGrpSpPr>
+          <p:cNvPr id="12" name="Group 11">
+            <a:extLst>
+              <a:ext uri="{FF2B5EF4-FFF2-40B4-BE49-F238E27FC236}">
+                <a16:creationId xmlns:a16="http://schemas.microsoft.com/office/drawing/2014/main" id="{DB88BD78-87E1-424D-B479-C37D8E41B12E}"/>
+              </a:ext>
+              <a:ext uri="{C183D7F6-B498-43B3-948B-1728B52AA6E4}">
+                <adec:decorative xmlns:adec="http://schemas.microsoft.com/office/drawing/2017/decorative" val="1"/>
+              </a:ext>
+            </a:extLst>
+          </p:cNvPr>
+          <p:cNvGrpSpPr>
+            <a:grpSpLocks noGrp="1" noUngrp="1" noRot="1" noChangeAspect="1" noMove="1" noResize="1"/>
+          </p:cNvGrpSpPr>
+          <p:nvPr>
+            <p:extLst>
+              <p:ext uri="{386F3935-93C4-4BCD-93E2-E3B085C9AB24}">
+                <p16:designElem xmlns:p16="http://schemas.microsoft.com/office/powerpoint/2015/main" val="1"/>
+              </p:ext>
+            </p:extLst>
+          </p:nvPr>
+        </p:nvGrpSpPr>
+        <p:grpSpPr>
+          <a:xfrm flipH="1">
+            <a:off x="10964637" y="2358"/>
+            <a:ext cx="1876653" cy="1766008"/>
+            <a:chOff x="-648769" y="2358"/>
+            <a:chExt cx="1876653" cy="1766008"/>
+          </a:xfrm>
+        </p:grpSpPr>
+        <p:sp>
+          <p:nvSpPr>
+            <p:cNvPr id="13" name="Freeform: Shape 12">
+              <a:extLst>
+                <a:ext uri="{FF2B5EF4-FFF2-40B4-BE49-F238E27FC236}">
+                  <a16:creationId xmlns:a16="http://schemas.microsoft.com/office/drawing/2014/main" id="{C05EB894-9410-4B20-95E4-7A25101AB895}"/>
+                </a:ext>
+                <a:ext uri="{C183D7F6-B498-43B3-948B-1728B52AA6E4}">
+                  <adec:decorative xmlns:adec="http://schemas.microsoft.com/office/drawing/2017/decorative" val="1"/>
+                </a:ext>
+              </a:extLst>
+            </p:cNvPr>
+            <p:cNvSpPr/>
+            <p:nvPr>
+              <p:extLst>
+                <p:ext uri="{386F3935-93C4-4BCD-93E2-E3B085C9AB24}">
+                  <p16:designElem xmlns:p16="http://schemas.microsoft.com/office/powerpoint/2015/main" val="1"/>
+                </p:ext>
+              </p:extLst>
+            </p:nvPr>
+          </p:nvSpPr>
+          <p:spPr>
+            <a:xfrm rot="2700000">
+              <a:off x="-415188" y="-231223"/>
+              <a:ext cx="1409491" cy="1876653"/>
+            </a:xfrm>
+            <a:custGeom>
+              <a:avLst/>
+              <a:gdLst>
+                <a:gd name="connsiteX0" fmla="*/ 0 w 1409491"/>
+                <a:gd name="connsiteY0" fmla="*/ 643075 h 1876653"/>
+                <a:gd name="connsiteX1" fmla="*/ 643075 w 1409491"/>
+                <a:gd name="connsiteY1" fmla="*/ 0 h 1876653"/>
+                <a:gd name="connsiteX2" fmla="*/ 1409491 w 1409491"/>
+                <a:gd name="connsiteY2" fmla="*/ 0 h 1876653"/>
+                <a:gd name="connsiteX3" fmla="*/ 1409491 w 1409491"/>
+                <a:gd name="connsiteY3" fmla="*/ 1876653 h 1876653"/>
+                <a:gd name="connsiteX4" fmla="*/ 1233578 w 1409491"/>
+                <a:gd name="connsiteY4" fmla="*/ 1876653 h 1876653"/>
+              </a:gdLst>
+              <a:ahLst/>
+              <a:cxnLst>
+                <a:cxn ang="0">
+                  <a:pos x="connsiteX0" y="connsiteY0"/>
+                </a:cxn>
+                <a:cxn ang="0">
+                  <a:pos x="connsiteX1" y="connsiteY1"/>
+                </a:cxn>
+                <a:cxn ang="0">
+                  <a:pos x="connsiteX2" y="connsiteY2"/>
+                </a:cxn>
+                <a:cxn ang="0">
+                  <a:pos x="connsiteX3" y="connsiteY3"/>
+                </a:cxn>
+                <a:cxn ang="0">
+                  <a:pos x="connsiteX4" y="connsiteY4"/>
+                </a:cxn>
+              </a:cxnLst>
+              <a:rect l="l" t="t" r="r" b="b"/>
+              <a:pathLst>
+                <a:path w="1409491" h="1876653">
+                  <a:moveTo>
+                    <a:pt x="0" y="643075"/>
+                  </a:moveTo>
+                  <a:lnTo>
+                    <a:pt x="643075" y="0"/>
+                  </a:lnTo>
+                  <a:lnTo>
+                    <a:pt x="1409491" y="0"/>
+                  </a:lnTo>
+                  <a:lnTo>
+                    <a:pt x="1409491" y="1876653"/>
+                  </a:lnTo>
+                  <a:lnTo>
+                    <a:pt x="1233578" y="1876653"/>
+                  </a:lnTo>
+                  <a:close/>
+                </a:path>
+              </a:pathLst>
+            </a:custGeom>
+            <a:solidFill>
+              <a:schemeClr val="accent1">
+                <a:alpha val="30000"/>
+              </a:schemeClr>
+            </a:solidFill>
+            <a:ln>
+              <a:noFill/>
+            </a:ln>
+          </p:spPr>
+          <p:style>
+            <a:lnRef idx="2">
+              <a:schemeClr val="accent1">
+                <a:shade val="50000"/>
+              </a:schemeClr>
+            </a:lnRef>
+            <a:fillRef idx="1">
+              <a:schemeClr val="accent1"/>
+            </a:fillRef>
+            <a:effectRef idx="0">
+              <a:schemeClr val="accent1"/>
+            </a:effectRef>
+            <a:fontRef idx="minor">
+              <a:schemeClr val="lt1"/>
+            </a:fontRef>
+          </p:style>
+          <p:txBody>
+            <a:bodyPr rtlCol="0" anchor="ctr"/>
+            <a:lstStyle/>
+            <a:p>
+              <a:pPr algn="ctr"/>
+              <a:endParaRPr lang="en-US"/>
+            </a:p>
+          </p:txBody>
+        </p:sp>
+        <p:sp>
+          <p:nvSpPr>
+            <p:cNvPr id="14" name="Rectangle 13">
+              <a:extLst>
+                <a:ext uri="{FF2B5EF4-FFF2-40B4-BE49-F238E27FC236}">
+                  <a16:creationId xmlns:a16="http://schemas.microsoft.com/office/drawing/2014/main" id="{166E38B6-B050-4340-8E8F-3A971DADC031}"/>
+                </a:ext>
+                <a:ext uri="{C183D7F6-B498-43B3-948B-1728B52AA6E4}">
+                  <adec:decorative xmlns:adec="http://schemas.microsoft.com/office/drawing/2017/decorative" val="1"/>
+                </a:ext>
+              </a:extLst>
+            </p:cNvPr>
+            <p:cNvSpPr/>
+            <p:nvPr>
+              <p:extLst>
+                <p:ext uri="{386F3935-93C4-4BCD-93E2-E3B085C9AB24}">
+                  <p16:designElem xmlns:p16="http://schemas.microsoft.com/office/powerpoint/2015/main" val="1"/>
+                </p:ext>
+              </p:extLst>
+            </p:nvPr>
+          </p:nvSpPr>
+          <p:spPr>
+            <a:xfrm rot="2700000">
+              <a:off x="301285" y="1282788"/>
+              <a:ext cx="485578" cy="485578"/>
+            </a:xfrm>
+            <a:prstGeom prst="rect">
+              <a:avLst/>
+            </a:prstGeom>
+            <a:solidFill>
+              <a:schemeClr val="accent1">
+                <a:alpha val="30000"/>
+              </a:schemeClr>
+            </a:solidFill>
+            <a:ln>
+              <a:noFill/>
+            </a:ln>
+          </p:spPr>
+          <p:style>
+            <a:lnRef idx="2">
+              <a:schemeClr val="accent1">
+                <a:shade val="50000"/>
+              </a:schemeClr>
+            </a:lnRef>
+            <a:fillRef idx="1">
+              <a:schemeClr val="accent1"/>
+            </a:fillRef>
+            <a:effectRef idx="0">
+              <a:schemeClr val="accent1"/>
+            </a:effectRef>
+            <a:fontRef idx="minor">
+              <a:schemeClr val="lt1"/>
+            </a:fontRef>
+          </p:style>
+          <p:txBody>
+            <a:bodyPr rtlCol="0" anchor="ctr"/>
+            <a:lstStyle/>
+            <a:p>
+              <a:pPr algn="ctr"/>
+              <a:endParaRPr lang="en-US"/>
+            </a:p>
+          </p:txBody>
+        </p:sp>
+      </p:grpSp>
+      <p:sp>
+        <p:nvSpPr>
+          <p:cNvPr id="16" name="Rectangle 15">
+            <a:extLst>
+              <a:ext uri="{FF2B5EF4-FFF2-40B4-BE49-F238E27FC236}">
+                <a16:creationId xmlns:a16="http://schemas.microsoft.com/office/drawing/2014/main" id="{2E80C965-DB6D-4F81-9E9E-B027384D0BD6}"/>
+              </a:ext>
+              <a:ext uri="{C183D7F6-B498-43B3-948B-1728B52AA6E4}">
+                <adec:decorative xmlns:adec="http://schemas.microsoft.com/office/drawing/2017/decorative" val="1"/>
+              </a:ext>
+            </a:extLst>
+          </p:cNvPr>
+          <p:cNvSpPr>
+            <a:spLocks noGrp="1" noRot="1" noChangeAspect="1" noMove="1" noResize="1" noEditPoints="1" noAdjustHandles="1" noChangeArrowheads="1" noChangeShapeType="1" noTextEdit="1"/>
+          </p:cNvSpPr>
+          <p:nvPr>
+            <p:extLst>
+              <p:ext uri="{386F3935-93C4-4BCD-93E2-E3B085C9AB24}">
+                <p16:designElem xmlns:p16="http://schemas.microsoft.com/office/powerpoint/2015/main" val="1"/>
+              </p:ext>
+            </p:extLst>
+          </p:nvPr>
+        </p:nvSpPr>
+        <p:spPr>
+          <a:xfrm rot="2700000">
+            <a:off x="2737196" y="6033666"/>
+            <a:ext cx="645368" cy="645368"/>
+          </a:xfrm>
+          <a:prstGeom prst="rect">
+            <a:avLst/>
+          </a:prstGeom>
+          <a:solidFill>
+            <a:schemeClr val="accent4">
+              <a:alpha val="30000"/>
+            </a:schemeClr>
+          </a:solidFill>
+          <a:ln>
+            <a:noFill/>
+          </a:ln>
+        </p:spPr>
+        <p:style>
+          <a:lnRef idx="2">
+            <a:schemeClr val="accent1">
+              <a:shade val="50000"/>
+            </a:schemeClr>
+          </a:lnRef>
+          <a:fillRef idx="1">
+            <a:schemeClr val="accent1"/>
+          </a:fillRef>
+          <a:effectRef idx="0">
+            <a:schemeClr val="accent1"/>
+          </a:effectRef>
+          <a:fontRef idx="minor">
+            <a:schemeClr val="lt1"/>
+          </a:fontRef>
+        </p:style>
+        <p:txBody>
+          <a:bodyPr rtlCol="0" anchor="ctr"/>
+          <a:lstStyle/>
+          <a:p>
+            <a:pPr algn="ctr"/>
+            <a:endParaRPr lang="en-US"/>
+          </a:p>
+        </p:txBody>
+      </p:sp>
+      <p:sp>
+        <p:nvSpPr>
+          <p:cNvPr id="18" name="Isosceles Triangle 17">
+            <a:extLst>
+              <a:ext uri="{FF2B5EF4-FFF2-40B4-BE49-F238E27FC236}">
+                <a16:creationId xmlns:a16="http://schemas.microsoft.com/office/drawing/2014/main" id="{633C5E46-DAC5-4661-9C87-22B08E2A512F}"/>
+              </a:ext>
+              <a:ext uri="{C183D7F6-B498-43B3-948B-1728B52AA6E4}">
+                <adec:decorative xmlns:adec="http://schemas.microsoft.com/office/drawing/2017/decorative" val="1"/>
+              </a:ext>
+            </a:extLst>
+          </p:cNvPr>
+          <p:cNvSpPr>
+            <a:spLocks noGrp="1" noRot="1" noChangeAspect="1" noMove="1" noResize="1" noEditPoints="1" noAdjustHandles="1" noChangeArrowheads="1" noChangeShapeType="1" noTextEdit="1"/>
+          </p:cNvSpPr>
+          <p:nvPr>
+            <p:extLst>
+              <p:ext uri="{386F3935-93C4-4BCD-93E2-E3B085C9AB24}">
+                <p16:designElem xmlns:p16="http://schemas.microsoft.com/office/powerpoint/2015/main" val="1"/>
+              </p:ext>
+            </p:extLst>
+          </p:nvPr>
+        </p:nvSpPr>
+        <p:spPr>
+          <a:xfrm>
+            <a:off x="1343436" y="5721108"/>
+            <a:ext cx="2261965" cy="1136891"/>
+          </a:xfrm>
+          <a:prstGeom prst="triangle">
+            <a:avLst>
+              <a:gd name="adj" fmla="val 50000"/>
+            </a:avLst>
+          </a:prstGeom>
+          <a:solidFill>
+            <a:schemeClr val="accent4">
+              <a:alpha val="30000"/>
+            </a:schemeClr>
+          </a:solidFill>
+          <a:ln>
+            <a:noFill/>
+          </a:ln>
+        </p:spPr>
+        <p:style>
+          <a:lnRef idx="2">
+            <a:schemeClr val="accent1">
+              <a:shade val="50000"/>
+            </a:schemeClr>
+          </a:lnRef>
+          <a:fillRef idx="1">
+            <a:schemeClr val="accent1"/>
+          </a:fillRef>
+          <a:effectRef idx="0">
+            <a:schemeClr val="accent1"/>
+          </a:effectRef>
+          <a:fontRef idx="minor">
+            <a:schemeClr val="lt1"/>
+          </a:fontRef>
+        </p:style>
+        <p:txBody>
+          <a:bodyPr rtlCol="0" anchor="ctr"/>
+          <a:lstStyle/>
+          <a:p>
+            <a:pPr algn="ctr"/>
+            <a:endParaRPr lang="en-US"/>
+          </a:p>
+        </p:txBody>
+      </p:sp>
+      <p:sp>
+        <p:nvSpPr>
+          <p:cNvPr id="11" name="Segnaposto testo 2">
+            <a:extLst>
+              <a:ext uri="{FF2B5EF4-FFF2-40B4-BE49-F238E27FC236}">
+                <a16:creationId xmlns:a16="http://schemas.microsoft.com/office/drawing/2014/main" id="{5F3A34BB-ADF7-4047-93F1-CF9CF4F1B03C}"/>
+              </a:ext>
+            </a:extLst>
+          </p:cNvPr>
+          <p:cNvSpPr txBox="1">
+            <a:spLocks/>
+          </p:cNvSpPr>
+          <p:nvPr/>
+        </p:nvSpPr>
+        <p:spPr>
+          <a:xfrm>
+            <a:off x="836612" y="295147"/>
+            <a:ext cx="5157787" cy="823912"/>
+          </a:xfrm>
+          <a:prstGeom prst="rect">
+            <a:avLst/>
+          </a:prstGeom>
+        </p:spPr>
+        <p:txBody>
+          <a:bodyPr vert="horz" lIns="91440" tIns="45720" rIns="91440" bIns="45720" rtlCol="0">
+            <a:normAutofit/>
+          </a:bodyPr>
+          <a:lstStyle>
+            <a:lvl1pPr marL="228600" indent="-228600" algn="l" defTabSz="914400" rtl="0" eaLnBrk="1" latinLnBrk="0" hangingPunct="1">
+              <a:lnSpc>
+                <a:spcPct val="90000"/>
+              </a:lnSpc>
+              <a:spcBef>
+                <a:spcPts val="1000"/>
+              </a:spcBef>
+              <a:buFont typeface="Arial" panose="020B0604020202020204" pitchFamily="34" charset="0"/>
+              <a:buChar char="•"/>
+              <a:defRPr sz="2800" kern="1200">
+                <a:solidFill>
+                  <a:schemeClr val="tx1"/>
+                </a:solidFill>
+                <a:latin typeface="+mn-lt"/>
+                <a:ea typeface="+mn-ea"/>
+                <a:cs typeface="+mn-cs"/>
+              </a:defRPr>
+            </a:lvl1pPr>
+            <a:lvl2pPr marL="685800" indent="-228600" algn="l" defTabSz="914400" rtl="0" eaLnBrk="1" latinLnBrk="0" hangingPunct="1">
+              <a:lnSpc>
+                <a:spcPct val="90000"/>
+              </a:lnSpc>
+              <a:spcBef>
+                <a:spcPts val="500"/>
+              </a:spcBef>
+              <a:buFont typeface="Arial" panose="020B0604020202020204" pitchFamily="34" charset="0"/>
+              <a:buChar char="•"/>
+              <a:defRPr sz="2400" kern="1200">
+                <a:solidFill>
+                  <a:schemeClr val="tx1"/>
+                </a:solidFill>
+                <a:latin typeface="+mn-lt"/>
+                <a:ea typeface="+mn-ea"/>
+                <a:cs typeface="+mn-cs"/>
+              </a:defRPr>
+            </a:lvl2pPr>
+            <a:lvl3pPr marL="1143000" indent="-228600" algn="l" defTabSz="914400" rtl="0" eaLnBrk="1" latinLnBrk="0" hangingPunct="1">
+              <a:lnSpc>
+                <a:spcPct val="90000"/>
+              </a:lnSpc>
+              <a:spcBef>
+                <a:spcPts val="500"/>
+              </a:spcBef>
+              <a:buFont typeface="Arial" panose="020B0604020202020204" pitchFamily="34" charset="0"/>
+              <a:buChar char="•"/>
+              <a:defRPr sz="2000" kern="1200">
+                <a:solidFill>
+                  <a:schemeClr val="tx1"/>
+                </a:solidFill>
+                <a:latin typeface="+mn-lt"/>
+                <a:ea typeface="+mn-ea"/>
+                <a:cs typeface="+mn-cs"/>
+              </a:defRPr>
+            </a:lvl3pPr>
+            <a:lvl4pPr marL="1600200" indent="-228600" algn="l" defTabSz="914400" rtl="0" eaLnBrk="1" latinLnBrk="0" hangingPunct="1">
+              <a:lnSpc>
+                <a:spcPct val="90000"/>
+              </a:lnSpc>
+              <a:spcBef>
+                <a:spcPts val="500"/>
+              </a:spcBef>
+              <a:buFont typeface="Arial" panose="020B0604020202020204" pitchFamily="34" charset="0"/>
+              <a:buChar char="•"/>
+              <a:defRPr sz="1800" kern="1200">
+                <a:solidFill>
+                  <a:schemeClr val="tx1"/>
+                </a:solidFill>
+                <a:latin typeface="+mn-lt"/>
+                <a:ea typeface="+mn-ea"/>
+                <a:cs typeface="+mn-cs"/>
+              </a:defRPr>
+            </a:lvl4pPr>
+            <a:lvl5pPr marL="2057400" indent="-228600" algn="l" defTabSz="914400" rtl="0" eaLnBrk="1" latinLnBrk="0" hangingPunct="1">
+              <a:lnSpc>
+                <a:spcPct val="90000"/>
+              </a:lnSpc>
+              <a:spcBef>
+                <a:spcPts val="500"/>
+              </a:spcBef>
+              <a:buFont typeface="Arial" panose="020B0604020202020204" pitchFamily="34" charset="0"/>
+              <a:buChar char="•"/>
+              <a:defRPr sz="1800" kern="1200">
+                <a:solidFill>
+                  <a:schemeClr val="tx1"/>
+                </a:solidFill>
+                <a:latin typeface="+mn-lt"/>
+                <a:ea typeface="+mn-ea"/>
+                <a:cs typeface="+mn-cs"/>
+              </a:defRPr>
+            </a:lvl5pPr>
+            <a:lvl6pPr marL="2514600" indent="-228600" algn="l" defTabSz="914400" rtl="0" eaLnBrk="1" latinLnBrk="0" hangingPunct="1">
+              <a:lnSpc>
+                <a:spcPct val="90000"/>
+              </a:lnSpc>
+              <a:spcBef>
+                <a:spcPts val="500"/>
+              </a:spcBef>
+              <a:buFont typeface="Arial" panose="020B0604020202020204" pitchFamily="34" charset="0"/>
+              <a:buChar char="•"/>
+              <a:defRPr sz="1800" kern="1200">
+                <a:solidFill>
+                  <a:schemeClr val="tx1"/>
+                </a:solidFill>
+                <a:latin typeface="+mn-lt"/>
+                <a:ea typeface="+mn-ea"/>
+                <a:cs typeface="+mn-cs"/>
+              </a:defRPr>
+            </a:lvl6pPr>
+            <a:lvl7pPr marL="2971800" indent="-228600" algn="l" defTabSz="914400" rtl="0" eaLnBrk="1" latinLnBrk="0" hangingPunct="1">
+              <a:lnSpc>
+                <a:spcPct val="90000"/>
+              </a:lnSpc>
+              <a:spcBef>
+                <a:spcPts val="500"/>
+              </a:spcBef>
+              <a:buFont typeface="Arial" panose="020B0604020202020204" pitchFamily="34" charset="0"/>
+              <a:buChar char="•"/>
+              <a:defRPr sz="1800" kern="1200">
+                <a:solidFill>
+                  <a:schemeClr val="tx1"/>
+                </a:solidFill>
+                <a:latin typeface="+mn-lt"/>
+                <a:ea typeface="+mn-ea"/>
+                <a:cs typeface="+mn-cs"/>
+              </a:defRPr>
+            </a:lvl7pPr>
+            <a:lvl8pPr marL="3429000" indent="-228600" algn="l" defTabSz="914400" rtl="0" eaLnBrk="1" latinLnBrk="0" hangingPunct="1">
+              <a:lnSpc>
+                <a:spcPct val="90000"/>
+              </a:lnSpc>
+              <a:spcBef>
+                <a:spcPts val="500"/>
+              </a:spcBef>
+              <a:buFont typeface="Arial" panose="020B0604020202020204" pitchFamily="34" charset="0"/>
+              <a:buChar char="•"/>
+              <a:defRPr sz="1800" kern="1200">
+                <a:solidFill>
+                  <a:schemeClr val="tx1"/>
+                </a:solidFill>
+                <a:latin typeface="+mn-lt"/>
+                <a:ea typeface="+mn-ea"/>
+                <a:cs typeface="+mn-cs"/>
+              </a:defRPr>
+            </a:lvl8pPr>
+            <a:lvl9pPr marL="3886200" indent="-228600" algn="l" defTabSz="914400" rtl="0" eaLnBrk="1" latinLnBrk="0" hangingPunct="1">
+              <a:lnSpc>
+                <a:spcPct val="90000"/>
+              </a:lnSpc>
+              <a:spcBef>
+                <a:spcPts val="500"/>
+              </a:spcBef>
+              <a:buFont typeface="Arial" panose="020B0604020202020204" pitchFamily="34" charset="0"/>
+              <a:buChar char="•"/>
+              <a:defRPr sz="1800" kern="1200">
+                <a:solidFill>
+                  <a:schemeClr val="tx1"/>
+                </a:solidFill>
+                <a:latin typeface="+mn-lt"/>
+                <a:ea typeface="+mn-ea"/>
+                <a:cs typeface="+mn-cs"/>
+              </a:defRPr>
+            </a:lvl9pPr>
+          </a:lstStyle>
+          <a:p>
+            <a:pPr marL="0" indent="0">
+              <a:buNone/>
+            </a:pPr>
+            <a:r>
+              <a:rPr lang="it-IT" b="1" dirty="0">
+                <a:latin typeface="Arial" panose="020B0604020202020204" pitchFamily="34" charset="0"/>
+                <a:cs typeface="Arial" panose="020B0604020202020204" pitchFamily="34" charset="0"/>
+              </a:rPr>
+              <a:t>CLASSIFICAZIONE</a:t>
+            </a:r>
+          </a:p>
+        </p:txBody>
+      </p:sp>
+      <p:sp>
+        <p:nvSpPr>
+          <p:cNvPr id="15" name="Segnaposto contenuto 3">
+            <a:extLst>
+              <a:ext uri="{FF2B5EF4-FFF2-40B4-BE49-F238E27FC236}">
+                <a16:creationId xmlns:a16="http://schemas.microsoft.com/office/drawing/2014/main" id="{F4AC431E-3760-4C74-90ED-67B25F04F400}"/>
+              </a:ext>
+            </a:extLst>
+          </p:cNvPr>
+          <p:cNvSpPr txBox="1">
+            <a:spLocks/>
+          </p:cNvSpPr>
+          <p:nvPr/>
+        </p:nvSpPr>
+        <p:spPr>
+          <a:xfrm>
+            <a:off x="836611" y="1414205"/>
+            <a:ext cx="5157787" cy="3701133"/>
+          </a:xfrm>
+          <a:prstGeom prst="rect">
+            <a:avLst/>
+          </a:prstGeom>
+        </p:spPr>
+        <p:txBody>
+          <a:bodyPr/>
+          <a:lstStyle>
+            <a:lvl1pPr marL="228600" indent="-228600" algn="l" defTabSz="914400" rtl="0" eaLnBrk="1" latinLnBrk="0" hangingPunct="1">
+              <a:lnSpc>
+                <a:spcPct val="90000"/>
+              </a:lnSpc>
+              <a:spcBef>
+                <a:spcPts val="1000"/>
+              </a:spcBef>
+              <a:buFont typeface="Arial" panose="020B0604020202020204" pitchFamily="34" charset="0"/>
+              <a:buChar char="•"/>
+              <a:defRPr sz="2800" kern="1200">
+                <a:solidFill>
+                  <a:schemeClr val="tx1"/>
+                </a:solidFill>
+                <a:latin typeface="+mn-lt"/>
+                <a:ea typeface="+mn-ea"/>
+                <a:cs typeface="+mn-cs"/>
+              </a:defRPr>
+            </a:lvl1pPr>
+            <a:lvl2pPr marL="685800" indent="-228600" algn="l" defTabSz="914400" rtl="0" eaLnBrk="1" latinLnBrk="0" hangingPunct="1">
+              <a:lnSpc>
+                <a:spcPct val="90000"/>
+              </a:lnSpc>
+              <a:spcBef>
+                <a:spcPts val="500"/>
+              </a:spcBef>
+              <a:buFont typeface="Arial" panose="020B0604020202020204" pitchFamily="34" charset="0"/>
+              <a:buChar char="•"/>
+              <a:defRPr sz="2400" kern="1200">
+                <a:solidFill>
+                  <a:schemeClr val="tx1"/>
+                </a:solidFill>
+                <a:latin typeface="+mn-lt"/>
+                <a:ea typeface="+mn-ea"/>
+                <a:cs typeface="+mn-cs"/>
+              </a:defRPr>
+            </a:lvl2pPr>
+            <a:lvl3pPr marL="1143000" indent="-228600" algn="l" defTabSz="914400" rtl="0" eaLnBrk="1" latinLnBrk="0" hangingPunct="1">
+              <a:lnSpc>
+                <a:spcPct val="90000"/>
+              </a:lnSpc>
+              <a:spcBef>
+                <a:spcPts val="500"/>
+              </a:spcBef>
+              <a:buFont typeface="Arial" panose="020B0604020202020204" pitchFamily="34" charset="0"/>
+              <a:buChar char="•"/>
+              <a:defRPr sz="2000" kern="1200">
+                <a:solidFill>
+                  <a:schemeClr val="tx1"/>
+                </a:solidFill>
+                <a:latin typeface="+mn-lt"/>
+                <a:ea typeface="+mn-ea"/>
+                <a:cs typeface="+mn-cs"/>
+              </a:defRPr>
+            </a:lvl3pPr>
+            <a:lvl4pPr marL="1600200" indent="-228600" algn="l" defTabSz="914400" rtl="0" eaLnBrk="1" latinLnBrk="0" hangingPunct="1">
+              <a:lnSpc>
+                <a:spcPct val="90000"/>
+              </a:lnSpc>
+              <a:spcBef>
+                <a:spcPts val="500"/>
+              </a:spcBef>
+              <a:buFont typeface="Arial" panose="020B0604020202020204" pitchFamily="34" charset="0"/>
+              <a:buChar char="•"/>
+              <a:defRPr sz="1800" kern="1200">
+                <a:solidFill>
+                  <a:schemeClr val="tx1"/>
+                </a:solidFill>
+                <a:latin typeface="+mn-lt"/>
+                <a:ea typeface="+mn-ea"/>
+                <a:cs typeface="+mn-cs"/>
+              </a:defRPr>
+            </a:lvl4pPr>
+            <a:lvl5pPr marL="2057400" indent="-228600" algn="l" defTabSz="914400" rtl="0" eaLnBrk="1" latinLnBrk="0" hangingPunct="1">
+              <a:lnSpc>
+                <a:spcPct val="90000"/>
+              </a:lnSpc>
+              <a:spcBef>
+                <a:spcPts val="500"/>
+              </a:spcBef>
+              <a:buFont typeface="Arial" panose="020B0604020202020204" pitchFamily="34" charset="0"/>
+              <a:buChar char="•"/>
+              <a:defRPr sz="1800" kern="1200">
+                <a:solidFill>
+                  <a:schemeClr val="tx1"/>
+                </a:solidFill>
+                <a:latin typeface="+mn-lt"/>
+                <a:ea typeface="+mn-ea"/>
+                <a:cs typeface="+mn-cs"/>
+              </a:defRPr>
+            </a:lvl5pPr>
+            <a:lvl6pPr marL="2514600" indent="-228600" algn="l" defTabSz="914400" rtl="0" eaLnBrk="1" latinLnBrk="0" hangingPunct="1">
+              <a:lnSpc>
+                <a:spcPct val="90000"/>
+              </a:lnSpc>
+              <a:spcBef>
+                <a:spcPts val="500"/>
+              </a:spcBef>
+              <a:buFont typeface="Arial" panose="020B0604020202020204" pitchFamily="34" charset="0"/>
+              <a:buChar char="•"/>
+              <a:defRPr sz="1800" kern="1200">
+                <a:solidFill>
+                  <a:schemeClr val="tx1"/>
+                </a:solidFill>
+                <a:latin typeface="+mn-lt"/>
+                <a:ea typeface="+mn-ea"/>
+                <a:cs typeface="+mn-cs"/>
+              </a:defRPr>
+            </a:lvl6pPr>
+            <a:lvl7pPr marL="2971800" indent="-228600" algn="l" defTabSz="914400" rtl="0" eaLnBrk="1" latinLnBrk="0" hangingPunct="1">
+              <a:lnSpc>
+                <a:spcPct val="90000"/>
+              </a:lnSpc>
+              <a:spcBef>
+                <a:spcPts val="500"/>
+              </a:spcBef>
+              <a:buFont typeface="Arial" panose="020B0604020202020204" pitchFamily="34" charset="0"/>
+              <a:buChar char="•"/>
+              <a:defRPr sz="1800" kern="1200">
+                <a:solidFill>
+                  <a:schemeClr val="tx1"/>
+                </a:solidFill>
+                <a:latin typeface="+mn-lt"/>
+                <a:ea typeface="+mn-ea"/>
+                <a:cs typeface="+mn-cs"/>
+              </a:defRPr>
+            </a:lvl7pPr>
+            <a:lvl8pPr marL="3429000" indent="-228600" algn="l" defTabSz="914400" rtl="0" eaLnBrk="1" latinLnBrk="0" hangingPunct="1">
+              <a:lnSpc>
+                <a:spcPct val="90000"/>
+              </a:lnSpc>
+              <a:spcBef>
+                <a:spcPts val="500"/>
+              </a:spcBef>
+              <a:buFont typeface="Arial" panose="020B0604020202020204" pitchFamily="34" charset="0"/>
+              <a:buChar char="•"/>
+              <a:defRPr sz="1800" kern="1200">
+                <a:solidFill>
+                  <a:schemeClr val="tx1"/>
+                </a:solidFill>
+                <a:latin typeface="+mn-lt"/>
+                <a:ea typeface="+mn-ea"/>
+                <a:cs typeface="+mn-cs"/>
+              </a:defRPr>
+            </a:lvl8pPr>
+            <a:lvl9pPr marL="3886200" indent="-228600" algn="l" defTabSz="914400" rtl="0" eaLnBrk="1" latinLnBrk="0" hangingPunct="1">
+              <a:lnSpc>
+                <a:spcPct val="90000"/>
+              </a:lnSpc>
+              <a:spcBef>
+                <a:spcPts val="500"/>
+              </a:spcBef>
+              <a:buFont typeface="Arial" panose="020B0604020202020204" pitchFamily="34" charset="0"/>
+              <a:buChar char="•"/>
+              <a:defRPr sz="1800" kern="1200">
+                <a:solidFill>
+                  <a:schemeClr val="tx1"/>
+                </a:solidFill>
+                <a:latin typeface="+mn-lt"/>
+                <a:ea typeface="+mn-ea"/>
+                <a:cs typeface="+mn-cs"/>
+              </a:defRPr>
+            </a:lvl9pPr>
+          </a:lstStyle>
+          <a:p>
+            <a:pPr marL="0" indent="0">
+              <a:buFont typeface="Arial" panose="020B0604020202020204" pitchFamily="34" charset="0"/>
+              <a:buNone/>
+            </a:pPr>
+            <a:endParaRPr lang="it-IT" dirty="0"/>
+          </a:p>
+          <a:p>
+            <a:pPr marL="0" indent="0">
+              <a:buFont typeface="Arial" panose="020B0604020202020204" pitchFamily="34" charset="0"/>
+              <a:buNone/>
+            </a:pPr>
+            <a:r>
+              <a:rPr lang="it-IT" sz="2000" dirty="0"/>
+              <a:t>L’output prodotto da un agente è di tipo </a:t>
+            </a:r>
+            <a:r>
+              <a:rPr lang="it-IT" sz="2000" b="1" dirty="0"/>
+              <a:t>DISCRETO</a:t>
+            </a:r>
+          </a:p>
+        </p:txBody>
+      </p:sp>
+      <p:sp>
+        <p:nvSpPr>
+          <p:cNvPr id="17" name="Segnaposto testo 4">
+            <a:extLst>
+              <a:ext uri="{FF2B5EF4-FFF2-40B4-BE49-F238E27FC236}">
+                <a16:creationId xmlns:a16="http://schemas.microsoft.com/office/drawing/2014/main" id="{EF152A73-59CB-4602-907D-F383613CF1FF}"/>
+              </a:ext>
+            </a:extLst>
+          </p:cNvPr>
+          <p:cNvSpPr txBox="1">
+            <a:spLocks/>
+          </p:cNvSpPr>
+          <p:nvPr/>
+        </p:nvSpPr>
+        <p:spPr>
+          <a:xfrm>
+            <a:off x="6172200" y="256381"/>
+            <a:ext cx="5183188" cy="823912"/>
+          </a:xfrm>
+          <a:prstGeom prst="rect">
+            <a:avLst/>
+          </a:prstGeom>
+        </p:spPr>
+        <p:txBody>
+          <a:bodyPr/>
+          <a:lstStyle>
+            <a:lvl1pPr marL="228600" indent="-228600" algn="l" defTabSz="914400" rtl="0" eaLnBrk="1" latinLnBrk="0" hangingPunct="1">
+              <a:lnSpc>
+                <a:spcPct val="90000"/>
+              </a:lnSpc>
+              <a:spcBef>
+                <a:spcPts val="1000"/>
+              </a:spcBef>
+              <a:buFont typeface="Arial" panose="020B0604020202020204" pitchFamily="34" charset="0"/>
+              <a:buChar char="•"/>
+              <a:defRPr sz="2800" kern="1200">
+                <a:solidFill>
+                  <a:schemeClr val="tx1"/>
+                </a:solidFill>
+                <a:latin typeface="+mn-lt"/>
+                <a:ea typeface="+mn-ea"/>
+                <a:cs typeface="+mn-cs"/>
+              </a:defRPr>
+            </a:lvl1pPr>
+            <a:lvl2pPr marL="685800" indent="-228600" algn="l" defTabSz="914400" rtl="0" eaLnBrk="1" latinLnBrk="0" hangingPunct="1">
+              <a:lnSpc>
+                <a:spcPct val="90000"/>
+              </a:lnSpc>
+              <a:spcBef>
+                <a:spcPts val="500"/>
+              </a:spcBef>
+              <a:buFont typeface="Arial" panose="020B0604020202020204" pitchFamily="34" charset="0"/>
+              <a:buChar char="•"/>
+              <a:defRPr sz="2400" kern="1200">
+                <a:solidFill>
+                  <a:schemeClr val="tx1"/>
+                </a:solidFill>
+                <a:latin typeface="+mn-lt"/>
+                <a:ea typeface="+mn-ea"/>
+                <a:cs typeface="+mn-cs"/>
+              </a:defRPr>
+            </a:lvl2pPr>
+            <a:lvl3pPr marL="1143000" indent="-228600" algn="l" defTabSz="914400" rtl="0" eaLnBrk="1" latinLnBrk="0" hangingPunct="1">
+              <a:lnSpc>
+                <a:spcPct val="90000"/>
+              </a:lnSpc>
+              <a:spcBef>
+                <a:spcPts val="500"/>
+              </a:spcBef>
+              <a:buFont typeface="Arial" panose="020B0604020202020204" pitchFamily="34" charset="0"/>
+              <a:buChar char="•"/>
+              <a:defRPr sz="2000" kern="1200">
+                <a:solidFill>
+                  <a:schemeClr val="tx1"/>
+                </a:solidFill>
+                <a:latin typeface="+mn-lt"/>
+                <a:ea typeface="+mn-ea"/>
+                <a:cs typeface="+mn-cs"/>
+              </a:defRPr>
+            </a:lvl3pPr>
+            <a:lvl4pPr marL="1600200" indent="-228600" algn="l" defTabSz="914400" rtl="0" eaLnBrk="1" latinLnBrk="0" hangingPunct="1">
+              <a:lnSpc>
+                <a:spcPct val="90000"/>
+              </a:lnSpc>
+              <a:spcBef>
+                <a:spcPts val="500"/>
+              </a:spcBef>
+              <a:buFont typeface="Arial" panose="020B0604020202020204" pitchFamily="34" charset="0"/>
+              <a:buChar char="•"/>
+              <a:defRPr sz="1800" kern="1200">
+                <a:solidFill>
+                  <a:schemeClr val="tx1"/>
+                </a:solidFill>
+                <a:latin typeface="+mn-lt"/>
+                <a:ea typeface="+mn-ea"/>
+                <a:cs typeface="+mn-cs"/>
+              </a:defRPr>
+            </a:lvl4pPr>
+            <a:lvl5pPr marL="2057400" indent="-228600" algn="l" defTabSz="914400" rtl="0" eaLnBrk="1" latinLnBrk="0" hangingPunct="1">
+              <a:lnSpc>
+                <a:spcPct val="90000"/>
+              </a:lnSpc>
+              <a:spcBef>
+                <a:spcPts val="500"/>
+              </a:spcBef>
+              <a:buFont typeface="Arial" panose="020B0604020202020204" pitchFamily="34" charset="0"/>
+              <a:buChar char="•"/>
+              <a:defRPr sz="1800" kern="1200">
+                <a:solidFill>
+                  <a:schemeClr val="tx1"/>
+                </a:solidFill>
+                <a:latin typeface="+mn-lt"/>
+                <a:ea typeface="+mn-ea"/>
+                <a:cs typeface="+mn-cs"/>
+              </a:defRPr>
+            </a:lvl5pPr>
+            <a:lvl6pPr marL="2514600" indent="-228600" algn="l" defTabSz="914400" rtl="0" eaLnBrk="1" latinLnBrk="0" hangingPunct="1">
+              <a:lnSpc>
+                <a:spcPct val="90000"/>
+              </a:lnSpc>
+              <a:spcBef>
+                <a:spcPts val="500"/>
+              </a:spcBef>
+              <a:buFont typeface="Arial" panose="020B0604020202020204" pitchFamily="34" charset="0"/>
+              <a:buChar char="•"/>
+              <a:defRPr sz="1800" kern="1200">
+                <a:solidFill>
+                  <a:schemeClr val="tx1"/>
+                </a:solidFill>
+                <a:latin typeface="+mn-lt"/>
+                <a:ea typeface="+mn-ea"/>
+                <a:cs typeface="+mn-cs"/>
+              </a:defRPr>
+            </a:lvl6pPr>
+            <a:lvl7pPr marL="2971800" indent="-228600" algn="l" defTabSz="914400" rtl="0" eaLnBrk="1" latinLnBrk="0" hangingPunct="1">
+              <a:lnSpc>
+                <a:spcPct val="90000"/>
+              </a:lnSpc>
+              <a:spcBef>
+                <a:spcPts val="500"/>
+              </a:spcBef>
+              <a:buFont typeface="Arial" panose="020B0604020202020204" pitchFamily="34" charset="0"/>
+              <a:buChar char="•"/>
+              <a:defRPr sz="1800" kern="1200">
+                <a:solidFill>
+                  <a:schemeClr val="tx1"/>
+                </a:solidFill>
+                <a:latin typeface="+mn-lt"/>
+                <a:ea typeface="+mn-ea"/>
+                <a:cs typeface="+mn-cs"/>
+              </a:defRPr>
+            </a:lvl7pPr>
+            <a:lvl8pPr marL="3429000" indent="-228600" algn="l" defTabSz="914400" rtl="0" eaLnBrk="1" latinLnBrk="0" hangingPunct="1">
+              <a:lnSpc>
+                <a:spcPct val="90000"/>
+              </a:lnSpc>
+              <a:spcBef>
+                <a:spcPts val="500"/>
+              </a:spcBef>
+              <a:buFont typeface="Arial" panose="020B0604020202020204" pitchFamily="34" charset="0"/>
+              <a:buChar char="•"/>
+              <a:defRPr sz="1800" kern="1200">
+                <a:solidFill>
+                  <a:schemeClr val="tx1"/>
+                </a:solidFill>
+                <a:latin typeface="+mn-lt"/>
+                <a:ea typeface="+mn-ea"/>
+                <a:cs typeface="+mn-cs"/>
+              </a:defRPr>
+            </a:lvl8pPr>
+            <a:lvl9pPr marL="3886200" indent="-228600" algn="l" defTabSz="914400" rtl="0" eaLnBrk="1" latinLnBrk="0" hangingPunct="1">
+              <a:lnSpc>
+                <a:spcPct val="90000"/>
+              </a:lnSpc>
+              <a:spcBef>
+                <a:spcPts val="500"/>
+              </a:spcBef>
+              <a:buFont typeface="Arial" panose="020B0604020202020204" pitchFamily="34" charset="0"/>
+              <a:buChar char="•"/>
+              <a:defRPr sz="1800" kern="1200">
+                <a:solidFill>
+                  <a:schemeClr val="tx1"/>
+                </a:solidFill>
+                <a:latin typeface="+mn-lt"/>
+                <a:ea typeface="+mn-ea"/>
+                <a:cs typeface="+mn-cs"/>
+              </a:defRPr>
+            </a:lvl9pPr>
+          </a:lstStyle>
+          <a:p>
+            <a:pPr marL="0" indent="0">
+              <a:buNone/>
+            </a:pPr>
+            <a:r>
+              <a:rPr lang="it-IT" b="1" dirty="0">
+                <a:latin typeface="Arial" panose="020B0604020202020204" pitchFamily="34" charset="0"/>
+                <a:cs typeface="Arial" panose="020B0604020202020204" pitchFamily="34" charset="0"/>
+              </a:rPr>
+              <a:t>REGRESSIONE</a:t>
+            </a:r>
+          </a:p>
+        </p:txBody>
+      </p:sp>
+      <p:sp>
+        <p:nvSpPr>
+          <p:cNvPr id="20" name="Segnaposto contenuto 5">
+            <a:extLst>
+              <a:ext uri="{FF2B5EF4-FFF2-40B4-BE49-F238E27FC236}">
+                <a16:creationId xmlns:a16="http://schemas.microsoft.com/office/drawing/2014/main" id="{8EF34B66-77B1-434C-8A51-DD12D6BC1B26}"/>
+              </a:ext>
+            </a:extLst>
+          </p:cNvPr>
+          <p:cNvSpPr txBox="1">
+            <a:spLocks/>
+          </p:cNvSpPr>
+          <p:nvPr/>
+        </p:nvSpPr>
+        <p:spPr>
+          <a:xfrm>
+            <a:off x="5953682" y="1535017"/>
+            <a:ext cx="5183188" cy="4654646"/>
+          </a:xfrm>
+          <a:prstGeom prst="rect">
+            <a:avLst/>
+          </a:prstGeom>
+        </p:spPr>
+        <p:txBody>
+          <a:bodyPr>
+            <a:normAutofit/>
+          </a:bodyPr>
+          <a:lstStyle>
+            <a:lvl1pPr marL="228600" indent="-228600" algn="l" defTabSz="914400" rtl="0" eaLnBrk="1" latinLnBrk="0" hangingPunct="1">
+              <a:lnSpc>
+                <a:spcPct val="90000"/>
+              </a:lnSpc>
+              <a:spcBef>
+                <a:spcPts val="1000"/>
+              </a:spcBef>
+              <a:buFont typeface="Arial" panose="020B0604020202020204" pitchFamily="34" charset="0"/>
+              <a:buChar char="•"/>
+              <a:defRPr sz="2800" kern="1200">
+                <a:solidFill>
+                  <a:schemeClr val="tx1"/>
+                </a:solidFill>
+                <a:latin typeface="+mn-lt"/>
+                <a:ea typeface="+mn-ea"/>
+                <a:cs typeface="+mn-cs"/>
+              </a:defRPr>
+            </a:lvl1pPr>
+            <a:lvl2pPr marL="685800" indent="-228600" algn="l" defTabSz="914400" rtl="0" eaLnBrk="1" latinLnBrk="0" hangingPunct="1">
+              <a:lnSpc>
+                <a:spcPct val="90000"/>
+              </a:lnSpc>
+              <a:spcBef>
+                <a:spcPts val="500"/>
+              </a:spcBef>
+              <a:buFont typeface="Arial" panose="020B0604020202020204" pitchFamily="34" charset="0"/>
+              <a:buChar char="•"/>
+              <a:defRPr sz="2400" kern="1200">
+                <a:solidFill>
+                  <a:schemeClr val="tx1"/>
+                </a:solidFill>
+                <a:latin typeface="+mn-lt"/>
+                <a:ea typeface="+mn-ea"/>
+                <a:cs typeface="+mn-cs"/>
+              </a:defRPr>
+            </a:lvl2pPr>
+            <a:lvl3pPr marL="1143000" indent="-228600" algn="l" defTabSz="914400" rtl="0" eaLnBrk="1" latinLnBrk="0" hangingPunct="1">
+              <a:lnSpc>
+                <a:spcPct val="90000"/>
+              </a:lnSpc>
+              <a:spcBef>
+                <a:spcPts val="500"/>
+              </a:spcBef>
+              <a:buFont typeface="Arial" panose="020B0604020202020204" pitchFamily="34" charset="0"/>
+              <a:buChar char="•"/>
+              <a:defRPr sz="2000" kern="1200">
+                <a:solidFill>
+                  <a:schemeClr val="tx1"/>
+                </a:solidFill>
+                <a:latin typeface="+mn-lt"/>
+                <a:ea typeface="+mn-ea"/>
+                <a:cs typeface="+mn-cs"/>
+              </a:defRPr>
+            </a:lvl3pPr>
+            <a:lvl4pPr marL="1600200" indent="-228600" algn="l" defTabSz="914400" rtl="0" eaLnBrk="1" latinLnBrk="0" hangingPunct="1">
+              <a:lnSpc>
+                <a:spcPct val="90000"/>
+              </a:lnSpc>
+              <a:spcBef>
+                <a:spcPts val="500"/>
+              </a:spcBef>
+              <a:buFont typeface="Arial" panose="020B0604020202020204" pitchFamily="34" charset="0"/>
+              <a:buChar char="•"/>
+              <a:defRPr sz="1800" kern="1200">
+                <a:solidFill>
+                  <a:schemeClr val="tx1"/>
+                </a:solidFill>
+                <a:latin typeface="+mn-lt"/>
+                <a:ea typeface="+mn-ea"/>
+                <a:cs typeface="+mn-cs"/>
+              </a:defRPr>
+            </a:lvl4pPr>
+            <a:lvl5pPr marL="2057400" indent="-228600" algn="l" defTabSz="914400" rtl="0" eaLnBrk="1" latinLnBrk="0" hangingPunct="1">
+              <a:lnSpc>
+                <a:spcPct val="90000"/>
+              </a:lnSpc>
+              <a:spcBef>
+                <a:spcPts val="500"/>
+              </a:spcBef>
+              <a:buFont typeface="Arial" panose="020B0604020202020204" pitchFamily="34" charset="0"/>
+              <a:buChar char="•"/>
+              <a:defRPr sz="1800" kern="1200">
+                <a:solidFill>
+                  <a:schemeClr val="tx1"/>
+                </a:solidFill>
+                <a:latin typeface="+mn-lt"/>
+                <a:ea typeface="+mn-ea"/>
+                <a:cs typeface="+mn-cs"/>
+              </a:defRPr>
+            </a:lvl5pPr>
+            <a:lvl6pPr marL="2514600" indent="-228600" algn="l" defTabSz="914400" rtl="0" eaLnBrk="1" latinLnBrk="0" hangingPunct="1">
+              <a:lnSpc>
+                <a:spcPct val="90000"/>
+              </a:lnSpc>
+              <a:spcBef>
+                <a:spcPts val="500"/>
+              </a:spcBef>
+              <a:buFont typeface="Arial" panose="020B0604020202020204" pitchFamily="34" charset="0"/>
+              <a:buChar char="•"/>
+              <a:defRPr sz="1800" kern="1200">
+                <a:solidFill>
+                  <a:schemeClr val="tx1"/>
+                </a:solidFill>
+                <a:latin typeface="+mn-lt"/>
+                <a:ea typeface="+mn-ea"/>
+                <a:cs typeface="+mn-cs"/>
+              </a:defRPr>
+            </a:lvl6pPr>
+            <a:lvl7pPr marL="2971800" indent="-228600" algn="l" defTabSz="914400" rtl="0" eaLnBrk="1" latinLnBrk="0" hangingPunct="1">
+              <a:lnSpc>
+                <a:spcPct val="90000"/>
+              </a:lnSpc>
+              <a:spcBef>
+                <a:spcPts val="500"/>
+              </a:spcBef>
+              <a:buFont typeface="Arial" panose="020B0604020202020204" pitchFamily="34" charset="0"/>
+              <a:buChar char="•"/>
+              <a:defRPr sz="1800" kern="1200">
+                <a:solidFill>
+                  <a:schemeClr val="tx1"/>
+                </a:solidFill>
+                <a:latin typeface="+mn-lt"/>
+                <a:ea typeface="+mn-ea"/>
+                <a:cs typeface="+mn-cs"/>
+              </a:defRPr>
+            </a:lvl7pPr>
+            <a:lvl8pPr marL="3429000" indent="-228600" algn="l" defTabSz="914400" rtl="0" eaLnBrk="1" latinLnBrk="0" hangingPunct="1">
+              <a:lnSpc>
+                <a:spcPct val="90000"/>
+              </a:lnSpc>
+              <a:spcBef>
+                <a:spcPts val="500"/>
+              </a:spcBef>
+              <a:buFont typeface="Arial" panose="020B0604020202020204" pitchFamily="34" charset="0"/>
+              <a:buChar char="•"/>
+              <a:defRPr sz="1800" kern="1200">
+                <a:solidFill>
+                  <a:schemeClr val="tx1"/>
+                </a:solidFill>
+                <a:latin typeface="+mn-lt"/>
+                <a:ea typeface="+mn-ea"/>
+                <a:cs typeface="+mn-cs"/>
+              </a:defRPr>
+            </a:lvl8pPr>
+            <a:lvl9pPr marL="3886200" indent="-228600" algn="l" defTabSz="914400" rtl="0" eaLnBrk="1" latinLnBrk="0" hangingPunct="1">
+              <a:lnSpc>
+                <a:spcPct val="90000"/>
+              </a:lnSpc>
+              <a:spcBef>
+                <a:spcPts val="500"/>
+              </a:spcBef>
+              <a:buFont typeface="Arial" panose="020B0604020202020204" pitchFamily="34" charset="0"/>
+              <a:buChar char="•"/>
+              <a:defRPr sz="1800" kern="1200">
+                <a:solidFill>
+                  <a:schemeClr val="tx1"/>
+                </a:solidFill>
+                <a:latin typeface="+mn-lt"/>
+                <a:ea typeface="+mn-ea"/>
+                <a:cs typeface="+mn-cs"/>
+              </a:defRPr>
+            </a:lvl9pPr>
+          </a:lstStyle>
+          <a:p>
+            <a:pPr marL="0" indent="0">
+              <a:buFont typeface="Arial" panose="020B0604020202020204" pitchFamily="34" charset="0"/>
+              <a:buNone/>
+            </a:pPr>
+            <a:endParaRPr lang="it-IT" sz="2000" dirty="0"/>
+          </a:p>
+          <a:p>
+            <a:pPr marL="0" indent="0">
+              <a:buFont typeface="Arial" panose="020B0604020202020204" pitchFamily="34" charset="0"/>
+              <a:buNone/>
+            </a:pPr>
+            <a:r>
+              <a:rPr lang="it-IT" sz="2000" dirty="0"/>
+              <a:t>L’output prodotto da un agente è di tipo </a:t>
+            </a:r>
+            <a:r>
+              <a:rPr lang="it-IT" sz="2000" b="1" dirty="0"/>
+              <a:t>CONTINUO</a:t>
+            </a:r>
+          </a:p>
+        </p:txBody>
+      </p:sp>
+    </p:spTree>
+    <p:extLst>
+      <p:ext uri="{BB962C8B-B14F-4D97-AF65-F5344CB8AC3E}">
+        <p14:creationId xmlns:p14="http://schemas.microsoft.com/office/powerpoint/2010/main" val="256807326"/>
       </p:ext>
     </p:extLst>
   </p:cSld>
@@ -13420,6 +15483,1714 @@
   </p:cSld>
   <p:clrMapOvr>
     <a:masterClrMapping/>
+  </p:clrMapOvr>
+</p:sld>
+</file>
+
+<file path=ppt/slides/slide30.xml><?xml version="1.0" encoding="utf-8"?>
+<p:sld xmlns:a="http://schemas.openxmlformats.org/drawingml/2006/main" xmlns:r="http://schemas.openxmlformats.org/officeDocument/2006/relationships" xmlns:p="http://schemas.openxmlformats.org/presentationml/2006/main">
+  <p:cSld>
+    <p:bg>
+      <p:bgPr>
+        <a:solidFill>
+          <a:schemeClr val="bg1">
+            <a:tint val="95000"/>
+            <a:satMod val="170000"/>
+          </a:schemeClr>
+        </a:solidFill>
+        <a:effectLst/>
+      </p:bgPr>
+    </p:bg>
+    <p:spTree>
+      <p:nvGrpSpPr>
+        <p:cNvPr id="1" name=""/>
+        <p:cNvGrpSpPr/>
+        <p:nvPr/>
+      </p:nvGrpSpPr>
+      <p:grpSpPr>
+        <a:xfrm>
+          <a:off x="0" y="0"/>
+          <a:ext cx="0" cy="0"/>
+          <a:chOff x="0" y="0"/>
+          <a:chExt cx="0" cy="0"/>
+        </a:xfrm>
+      </p:grpSpPr>
+      <p:sp>
+        <p:nvSpPr>
+          <p:cNvPr id="2" name="Titolo 1">
+            <a:extLst>
+              <a:ext uri="{FF2B5EF4-FFF2-40B4-BE49-F238E27FC236}">
+                <a16:creationId xmlns:a16="http://schemas.microsoft.com/office/drawing/2014/main" id="{8965749A-E902-4E67-A86F-A0D4CED1BE0C}"/>
+              </a:ext>
+            </a:extLst>
+          </p:cNvPr>
+          <p:cNvSpPr>
+            <a:spLocks noGrp="1"/>
+          </p:cNvSpPr>
+          <p:nvPr>
+            <p:ph type="title"/>
+          </p:nvPr>
+        </p:nvSpPr>
+        <p:spPr>
+          <a:xfrm>
+            <a:off x="467049" y="1240714"/>
+            <a:ext cx="3616856" cy="4376572"/>
+          </a:xfrm>
+        </p:spPr>
+        <p:txBody>
+          <a:bodyPr anchor="ctr">
+            <a:normAutofit/>
+          </a:bodyPr>
+          <a:lstStyle/>
+          <a:p>
+            <a:r>
+              <a:rPr lang="it-IT" sz="3700" b="1" dirty="0">
+                <a:latin typeface="Arial" panose="020B0604020202020204" pitchFamily="34" charset="0"/>
+                <a:cs typeface="Arial" panose="020B0604020202020204" pitchFamily="34" charset="0"/>
+              </a:rPr>
+              <a:t>MATRICE DI CONFUSIONE</a:t>
+            </a:r>
+          </a:p>
+        </p:txBody>
+      </p:sp>
+      <p:sp>
+        <p:nvSpPr>
+          <p:cNvPr id="8" name="Freeform: Shape 7">
+            <a:extLst>
+              <a:ext uri="{FF2B5EF4-FFF2-40B4-BE49-F238E27FC236}">
+                <a16:creationId xmlns:a16="http://schemas.microsoft.com/office/drawing/2014/main" id="{DFF2AC85-FAA0-4844-813F-83C04D7382E2}"/>
+              </a:ext>
+              <a:ext uri="{C183D7F6-B498-43B3-948B-1728B52AA6E4}">
+                <adec:decorative xmlns:adec="http://schemas.microsoft.com/office/drawing/2017/decorative" val="1"/>
+              </a:ext>
+            </a:extLst>
+          </p:cNvPr>
+          <p:cNvSpPr>
+            <a:spLocks noGrp="1" noRot="1" noChangeAspect="1" noMove="1" noResize="1" noEditPoints="1" noAdjustHandles="1" noChangeArrowheads="1" noChangeShapeType="1" noTextEdit="1"/>
+          </p:cNvSpPr>
+          <p:nvPr>
+            <p:extLst>
+              <p:ext uri="{386F3935-93C4-4BCD-93E2-E3B085C9AB24}">
+                <p16:designElem xmlns:p16="http://schemas.microsoft.com/office/powerpoint/2015/main" val="1"/>
+              </p:ext>
+            </p:extLst>
+          </p:nvPr>
+        </p:nvSpPr>
+        <p:spPr>
+          <a:xfrm>
+            <a:off x="4907636" y="0"/>
+            <a:ext cx="7281316" cy="6858000"/>
+          </a:xfrm>
+          <a:custGeom>
+            <a:avLst/>
+            <a:gdLst>
+              <a:gd name="connsiteX0" fmla="*/ 361354 w 7281316"/>
+              <a:gd name="connsiteY0" fmla="*/ 0 h 6858000"/>
+              <a:gd name="connsiteX1" fmla="*/ 7281316 w 7281316"/>
+              <a:gd name="connsiteY1" fmla="*/ 0 h 6858000"/>
+              <a:gd name="connsiteX2" fmla="*/ 7281316 w 7281316"/>
+              <a:gd name="connsiteY2" fmla="*/ 6858000 h 6858000"/>
+              <a:gd name="connsiteX3" fmla="*/ 696735 w 7281316"/>
+              <a:gd name="connsiteY3" fmla="*/ 6858000 h 6858000"/>
+              <a:gd name="connsiteX4" fmla="*/ 690849 w 7281316"/>
+              <a:gd name="connsiteY4" fmla="*/ 6842426 h 6858000"/>
+              <a:gd name="connsiteX5" fmla="*/ 335637 w 7281316"/>
+              <a:gd name="connsiteY5" fmla="*/ 94722 h 6858000"/>
+            </a:gdLst>
+            <a:ahLst/>
+            <a:cxnLst>
+              <a:cxn ang="0">
+                <a:pos x="connsiteX0" y="connsiteY0"/>
+              </a:cxn>
+              <a:cxn ang="0">
+                <a:pos x="connsiteX1" y="connsiteY1"/>
+              </a:cxn>
+              <a:cxn ang="0">
+                <a:pos x="connsiteX2" y="connsiteY2"/>
+              </a:cxn>
+              <a:cxn ang="0">
+                <a:pos x="connsiteX3" y="connsiteY3"/>
+              </a:cxn>
+              <a:cxn ang="0">
+                <a:pos x="connsiteX4" y="connsiteY4"/>
+              </a:cxn>
+              <a:cxn ang="0">
+                <a:pos x="connsiteX5" y="connsiteY5"/>
+              </a:cxn>
+            </a:cxnLst>
+            <a:rect l="l" t="t" r="r" b="b"/>
+            <a:pathLst>
+              <a:path w="7281316" h="6858000">
+                <a:moveTo>
+                  <a:pt x="361354" y="0"/>
+                </a:moveTo>
+                <a:lnTo>
+                  <a:pt x="7281316" y="0"/>
+                </a:lnTo>
+                <a:lnTo>
+                  <a:pt x="7281316" y="6858000"/>
+                </a:lnTo>
+                <a:lnTo>
+                  <a:pt x="696735" y="6858000"/>
+                </a:lnTo>
+                <a:lnTo>
+                  <a:pt x="690849" y="6842426"/>
+                </a:lnTo>
+                <a:cubicBezTo>
+                  <a:pt x="-65870" y="4704140"/>
+                  <a:pt x="-226206" y="2374054"/>
+                  <a:pt x="335637" y="94722"/>
+                </a:cubicBezTo>
+                <a:close/>
+              </a:path>
+            </a:pathLst>
+          </a:custGeom>
+          <a:solidFill>
+            <a:schemeClr val="tx1">
+              <a:alpha val="80000"/>
+            </a:schemeClr>
+          </a:solidFill>
+          <a:ln>
+            <a:noFill/>
+          </a:ln>
+        </p:spPr>
+        <p:style>
+          <a:lnRef idx="2">
+            <a:schemeClr val="accent1">
+              <a:shade val="50000"/>
+            </a:schemeClr>
+          </a:lnRef>
+          <a:fillRef idx="1">
+            <a:schemeClr val="accent1"/>
+          </a:fillRef>
+          <a:effectRef idx="0">
+            <a:schemeClr val="accent1"/>
+          </a:effectRef>
+          <a:fontRef idx="minor">
+            <a:schemeClr val="lt1"/>
+          </a:fontRef>
+        </p:style>
+        <p:txBody>
+          <a:bodyPr rtlCol="0" anchor="ctr"/>
+          <a:lstStyle/>
+          <a:p>
+            <a:pPr algn="ctr"/>
+            <a:endParaRPr lang="en-US"/>
+          </a:p>
+        </p:txBody>
+      </p:sp>
+      <p:sp>
+        <p:nvSpPr>
+          <p:cNvPr id="10" name="Freeform: Shape 9">
+            <a:extLst>
+              <a:ext uri="{FF2B5EF4-FFF2-40B4-BE49-F238E27FC236}">
+                <a16:creationId xmlns:a16="http://schemas.microsoft.com/office/drawing/2014/main" id="{89CC0F1E-BAA2-47B1-8F83-7ECB9FD9E009}"/>
+              </a:ext>
+              <a:ext uri="{C183D7F6-B498-43B3-948B-1728B52AA6E4}">
+                <adec:decorative xmlns:adec="http://schemas.microsoft.com/office/drawing/2017/decorative" val="1"/>
+              </a:ext>
+            </a:extLst>
+          </p:cNvPr>
+          <p:cNvSpPr>
+            <a:spLocks noGrp="1" noRot="1" noChangeAspect="1" noMove="1" noResize="1" noEditPoints="1" noAdjustHandles="1" noChangeArrowheads="1" noChangeShapeType="1" noTextEdit="1"/>
+          </p:cNvSpPr>
+          <p:nvPr>
+            <p:extLst>
+              <p:ext uri="{386F3935-93C4-4BCD-93E2-E3B085C9AB24}">
+                <p16:designElem xmlns:p16="http://schemas.microsoft.com/office/powerpoint/2015/main" val="1"/>
+              </p:ext>
+            </p:extLst>
+          </p:nvPr>
+        </p:nvSpPr>
+        <p:spPr>
+          <a:xfrm>
+            <a:off x="5189558" y="0"/>
+            <a:ext cx="6999394" cy="6858000"/>
+          </a:xfrm>
+          <a:custGeom>
+            <a:avLst/>
+            <a:gdLst>
+              <a:gd name="connsiteX0" fmla="*/ 6999394 w 6999394"/>
+              <a:gd name="connsiteY0" fmla="*/ 0 h 6858000"/>
+              <a:gd name="connsiteX1" fmla="*/ 6999394 w 6999394"/>
+              <a:gd name="connsiteY1" fmla="*/ 6858000 h 6858000"/>
+              <a:gd name="connsiteX2" fmla="*/ 717029 w 6999394"/>
+              <a:gd name="connsiteY2" fmla="*/ 6858000 h 6858000"/>
+              <a:gd name="connsiteX3" fmla="*/ 623642 w 6999394"/>
+              <a:gd name="connsiteY3" fmla="*/ 6599363 h 6858000"/>
+              <a:gd name="connsiteX4" fmla="*/ 319533 w 6999394"/>
+              <a:gd name="connsiteY4" fmla="*/ 193787 h 6858000"/>
+              <a:gd name="connsiteX5" fmla="*/ 371685 w 6999394"/>
+              <a:gd name="connsiteY5" fmla="*/ 1 h 6858000"/>
+            </a:gdLst>
+            <a:ahLst/>
+            <a:cxnLst>
+              <a:cxn ang="0">
+                <a:pos x="connsiteX0" y="connsiteY0"/>
+              </a:cxn>
+              <a:cxn ang="0">
+                <a:pos x="connsiteX1" y="connsiteY1"/>
+              </a:cxn>
+              <a:cxn ang="0">
+                <a:pos x="connsiteX2" y="connsiteY2"/>
+              </a:cxn>
+              <a:cxn ang="0">
+                <a:pos x="connsiteX3" y="connsiteY3"/>
+              </a:cxn>
+              <a:cxn ang="0">
+                <a:pos x="connsiteX4" y="connsiteY4"/>
+              </a:cxn>
+              <a:cxn ang="0">
+                <a:pos x="connsiteX5" y="connsiteY5"/>
+              </a:cxn>
+            </a:cxnLst>
+            <a:rect l="l" t="t" r="r" b="b"/>
+            <a:pathLst>
+              <a:path w="6999394" h="6858000">
+                <a:moveTo>
+                  <a:pt x="6999394" y="0"/>
+                </a:moveTo>
+                <a:lnTo>
+                  <a:pt x="6999394" y="6858000"/>
+                </a:lnTo>
+                <a:lnTo>
+                  <a:pt x="717029" y="6858000"/>
+                </a:lnTo>
+                <a:lnTo>
+                  <a:pt x="623642" y="6599363"/>
+                </a:lnTo>
+                <a:cubicBezTo>
+                  <a:pt x="-67685" y="4563346"/>
+                  <a:pt x="-206622" y="2355719"/>
+                  <a:pt x="319533" y="193787"/>
+                </a:cubicBezTo>
+                <a:lnTo>
+                  <a:pt x="371685" y="1"/>
+                </a:lnTo>
+                <a:close/>
+              </a:path>
+            </a:pathLst>
+          </a:custGeom>
+          <a:solidFill>
+            <a:schemeClr val="tx1">
+              <a:alpha val="80000"/>
+            </a:schemeClr>
+          </a:solidFill>
+          <a:ln>
+            <a:noFill/>
+          </a:ln>
+        </p:spPr>
+        <p:style>
+          <a:lnRef idx="2">
+            <a:schemeClr val="accent1">
+              <a:shade val="50000"/>
+            </a:schemeClr>
+          </a:lnRef>
+          <a:fillRef idx="1">
+            <a:schemeClr val="accent1"/>
+          </a:fillRef>
+          <a:effectRef idx="0">
+            <a:schemeClr val="accent1"/>
+          </a:effectRef>
+          <a:fontRef idx="minor">
+            <a:schemeClr val="lt1"/>
+          </a:fontRef>
+        </p:style>
+        <p:txBody>
+          <a:bodyPr rtlCol="0" anchor="ctr"/>
+          <a:lstStyle/>
+          <a:p>
+            <a:pPr algn="ctr"/>
+            <a:endParaRPr lang="en-US"/>
+          </a:p>
+        </p:txBody>
+      </p:sp>
+      <p:sp>
+        <p:nvSpPr>
+          <p:cNvPr id="3" name="Segnaposto contenuto 2">
+            <a:extLst>
+              <a:ext uri="{FF2B5EF4-FFF2-40B4-BE49-F238E27FC236}">
+                <a16:creationId xmlns:a16="http://schemas.microsoft.com/office/drawing/2014/main" id="{5E2DA8CA-5556-4043-BF72-8DBE24BC4F4A}"/>
+              </a:ext>
+            </a:extLst>
+          </p:cNvPr>
+          <p:cNvSpPr>
+            <a:spLocks noGrp="1"/>
+          </p:cNvSpPr>
+          <p:nvPr>
+            <p:ph idx="1"/>
+          </p:nvPr>
+        </p:nvSpPr>
+        <p:spPr>
+          <a:xfrm>
+            <a:off x="6095999" y="719666"/>
+            <a:ext cx="5501834" cy="4471416"/>
+          </a:xfrm>
+        </p:spPr>
+        <p:txBody>
+          <a:bodyPr anchor="ctr">
+            <a:normAutofit/>
+          </a:bodyPr>
+          <a:lstStyle/>
+          <a:p>
+            <a:pPr marL="0" indent="0">
+              <a:buNone/>
+            </a:pPr>
+            <a:r>
+              <a:rPr lang="it-IT" sz="2200" dirty="0">
+                <a:solidFill>
+                  <a:schemeClr val="bg1"/>
+                </a:solidFill>
+              </a:rPr>
+              <a:t>La matrice di confusione restituisce la rappresentazione dell’accuratezza del classificatore: va a contare in quanti casi l’algoritmo ha correttamente predetto il valore di un etichetta del test set</a:t>
+            </a:r>
+          </a:p>
+          <a:p>
+            <a:pPr marL="0" indent="0">
+              <a:buNone/>
+            </a:pPr>
+            <a:endParaRPr lang="it-IT" sz="2200" dirty="0">
+              <a:solidFill>
+                <a:schemeClr val="bg1"/>
+              </a:solidFill>
+            </a:endParaRPr>
+          </a:p>
+          <a:p>
+            <a:pPr marL="0" indent="0">
+              <a:buNone/>
+            </a:pPr>
+            <a:endParaRPr lang="it-IT" sz="2200" dirty="0">
+              <a:solidFill>
+                <a:schemeClr val="bg1"/>
+              </a:solidFill>
+            </a:endParaRPr>
+          </a:p>
+        </p:txBody>
+      </p:sp>
+      <p:graphicFrame>
+        <p:nvGraphicFramePr>
+          <p:cNvPr id="4" name="Tabella 4">
+            <a:extLst>
+              <a:ext uri="{FF2B5EF4-FFF2-40B4-BE49-F238E27FC236}">
+                <a16:creationId xmlns:a16="http://schemas.microsoft.com/office/drawing/2014/main" id="{F9CF6F78-BC92-4749-B348-90870DFDBA26}"/>
+              </a:ext>
+            </a:extLst>
+          </p:cNvPr>
+          <p:cNvGraphicFramePr>
+            <a:graphicFrameLocks noGrp="1"/>
+          </p:cNvGraphicFramePr>
+          <p:nvPr>
+            <p:extLst>
+              <p:ext uri="{D42A27DB-BD31-4B8C-83A1-F6EECF244321}">
+                <p14:modId xmlns:p14="http://schemas.microsoft.com/office/powerpoint/2010/main" val="3665121064"/>
+              </p:ext>
+            </p:extLst>
+          </p:nvPr>
+        </p:nvGraphicFramePr>
+        <p:xfrm>
+          <a:off x="6096000" y="3842245"/>
+          <a:ext cx="5501833" cy="2441861"/>
+        </p:xfrm>
+        <a:graphic>
+          <a:graphicData uri="http://schemas.openxmlformats.org/drawingml/2006/table">
+            <a:tbl>
+              <a:tblPr>
+                <a:tableStyleId>{69CF1AB2-1976-4502-BF36-3FF5EA218861}</a:tableStyleId>
+              </a:tblPr>
+              <a:tblGrid>
+                <a:gridCol w="2002059">
+                  <a:extLst>
+                    <a:ext uri="{9D8B030D-6E8A-4147-A177-3AD203B41FA5}">
+                      <a16:colId xmlns:a16="http://schemas.microsoft.com/office/drawing/2014/main" val="2967009964"/>
+                    </a:ext>
+                  </a:extLst>
+                </a:gridCol>
+                <a:gridCol w="1701085">
+                  <a:extLst>
+                    <a:ext uri="{9D8B030D-6E8A-4147-A177-3AD203B41FA5}">
+                      <a16:colId xmlns:a16="http://schemas.microsoft.com/office/drawing/2014/main" val="3747091739"/>
+                    </a:ext>
+                  </a:extLst>
+                </a:gridCol>
+                <a:gridCol w="1798689">
+                  <a:extLst>
+                    <a:ext uri="{9D8B030D-6E8A-4147-A177-3AD203B41FA5}">
+                      <a16:colId xmlns:a16="http://schemas.microsoft.com/office/drawing/2014/main" val="3956877155"/>
+                    </a:ext>
+                  </a:extLst>
+                </a:gridCol>
+              </a:tblGrid>
+              <a:tr h="959095">
+                <a:tc>
+                  <a:txBody>
+                    <a:bodyPr/>
+                    <a:lstStyle/>
+                    <a:p>
+                      <a:endParaRPr lang="it-IT" dirty="0"/>
+                    </a:p>
+                  </a:txBody>
+                  <a:tcPr/>
+                </a:tc>
+                <a:tc>
+                  <a:txBody>
+                    <a:bodyPr/>
+                    <a:lstStyle/>
+                    <a:p>
+                      <a:r>
+                        <a:rPr lang="it-IT" b="1" dirty="0"/>
+                        <a:t>ISTANZE REALMENTE POSITIVE</a:t>
+                      </a:r>
+                    </a:p>
+                  </a:txBody>
+                  <a:tcPr/>
+                </a:tc>
+                <a:tc>
+                  <a:txBody>
+                    <a:bodyPr/>
+                    <a:lstStyle/>
+                    <a:p>
+                      <a:r>
+                        <a:rPr lang="it-IT" b="1" dirty="0"/>
+                        <a:t>ISTANZE REALMENTE NEGATIVE</a:t>
+                      </a:r>
+                    </a:p>
+                  </a:txBody>
+                  <a:tcPr/>
+                </a:tc>
+                <a:extLst>
+                  <a:ext uri="{0D108BD9-81ED-4DB2-BD59-A6C34878D82A}">
+                    <a16:rowId xmlns:a16="http://schemas.microsoft.com/office/drawing/2014/main" val="3954549087"/>
+                  </a:ext>
+                </a:extLst>
+              </a:tr>
+              <a:tr h="741383">
+                <a:tc>
+                  <a:txBody>
+                    <a:bodyPr/>
+                    <a:lstStyle/>
+                    <a:p>
+                      <a:r>
+                        <a:rPr lang="it-IT" b="1" dirty="0"/>
+                        <a:t>ISTANZE PREDETTE COME POSITIVE</a:t>
+                      </a:r>
+                    </a:p>
+                  </a:txBody>
+                  <a:tcPr/>
+                </a:tc>
+                <a:tc>
+                  <a:txBody>
+                    <a:bodyPr/>
+                    <a:lstStyle/>
+                    <a:p>
+                      <a:pPr algn="ctr"/>
+                      <a:r>
+                        <a:rPr lang="it-IT" dirty="0"/>
+                        <a:t>TP</a:t>
+                      </a:r>
+                    </a:p>
+                  </a:txBody>
+                  <a:tcPr/>
+                </a:tc>
+                <a:tc>
+                  <a:txBody>
+                    <a:bodyPr/>
+                    <a:lstStyle/>
+                    <a:p>
+                      <a:pPr algn="ctr"/>
+                      <a:r>
+                        <a:rPr lang="it-IT" dirty="0"/>
+                        <a:t>FP</a:t>
+                      </a:r>
+                    </a:p>
+                  </a:txBody>
+                  <a:tcPr/>
+                </a:tc>
+                <a:extLst>
+                  <a:ext uri="{0D108BD9-81ED-4DB2-BD59-A6C34878D82A}">
+                    <a16:rowId xmlns:a16="http://schemas.microsoft.com/office/drawing/2014/main" val="1707919927"/>
+                  </a:ext>
+                </a:extLst>
+              </a:tr>
+              <a:tr h="741383">
+                <a:tc>
+                  <a:txBody>
+                    <a:bodyPr/>
+                    <a:lstStyle/>
+                    <a:p>
+                      <a:r>
+                        <a:rPr lang="it-IT" b="1" dirty="0"/>
+                        <a:t>ISTANZE PREDETTE COME NEGATIVE</a:t>
+                      </a:r>
+                    </a:p>
+                  </a:txBody>
+                  <a:tcPr/>
+                </a:tc>
+                <a:tc>
+                  <a:txBody>
+                    <a:bodyPr/>
+                    <a:lstStyle/>
+                    <a:p>
+                      <a:pPr algn="ctr"/>
+                      <a:r>
+                        <a:rPr lang="it-IT" dirty="0"/>
+                        <a:t>FN</a:t>
+                      </a:r>
+                    </a:p>
+                  </a:txBody>
+                  <a:tcPr/>
+                </a:tc>
+                <a:tc>
+                  <a:txBody>
+                    <a:bodyPr/>
+                    <a:lstStyle/>
+                    <a:p>
+                      <a:pPr algn="ctr"/>
+                      <a:r>
+                        <a:rPr lang="it-IT" dirty="0"/>
+                        <a:t>TN</a:t>
+                      </a:r>
+                    </a:p>
+                  </a:txBody>
+                  <a:tcPr/>
+                </a:tc>
+                <a:extLst>
+                  <a:ext uri="{0D108BD9-81ED-4DB2-BD59-A6C34878D82A}">
+                    <a16:rowId xmlns:a16="http://schemas.microsoft.com/office/drawing/2014/main" val="2140084606"/>
+                  </a:ext>
+                </a:extLst>
+              </a:tr>
+            </a:tbl>
+          </a:graphicData>
+        </a:graphic>
+      </p:graphicFrame>
+    </p:spTree>
+    <p:extLst>
+      <p:ext uri="{BB962C8B-B14F-4D97-AF65-F5344CB8AC3E}">
+        <p14:creationId xmlns:p14="http://schemas.microsoft.com/office/powerpoint/2010/main" val="2765516269"/>
+      </p:ext>
+    </p:extLst>
+  </p:cSld>
+  <p:clrMapOvr>
+    <a:overrideClrMapping bg1="dk1" tx1="lt1" bg2="dk2" tx2="lt2" accent1="accent1" accent2="accent2" accent3="accent3" accent4="accent4" accent5="accent5" accent6="accent6" hlink="hlink" folHlink="folHlink"/>
+  </p:clrMapOvr>
+</p:sld>
+</file>
+
+<file path=ppt/slides/slide31.xml><?xml version="1.0" encoding="utf-8"?>
+<p:sld xmlns:a="http://schemas.openxmlformats.org/drawingml/2006/main" xmlns:r="http://schemas.openxmlformats.org/officeDocument/2006/relationships" xmlns:p="http://schemas.openxmlformats.org/presentationml/2006/main">
+  <p:cSld>
+    <p:bg>
+      <p:bgPr>
+        <a:solidFill>
+          <a:schemeClr val="bg1">
+            <a:tint val="95000"/>
+            <a:satMod val="170000"/>
+          </a:schemeClr>
+        </a:solidFill>
+        <a:effectLst/>
+      </p:bgPr>
+    </p:bg>
+    <p:spTree>
+      <p:nvGrpSpPr>
+        <p:cNvPr id="1" name=""/>
+        <p:cNvGrpSpPr/>
+        <p:nvPr/>
+      </p:nvGrpSpPr>
+      <p:grpSpPr>
+        <a:xfrm>
+          <a:off x="0" y="0"/>
+          <a:ext cx="0" cy="0"/>
+          <a:chOff x="0" y="0"/>
+          <a:chExt cx="0" cy="0"/>
+        </a:xfrm>
+      </p:grpSpPr>
+      <p:sp>
+        <p:nvSpPr>
+          <p:cNvPr id="2" name="Titolo 1">
+            <a:extLst>
+              <a:ext uri="{FF2B5EF4-FFF2-40B4-BE49-F238E27FC236}">
+                <a16:creationId xmlns:a16="http://schemas.microsoft.com/office/drawing/2014/main" id="{8965749A-E902-4E67-A86F-A0D4CED1BE0C}"/>
+              </a:ext>
+            </a:extLst>
+          </p:cNvPr>
+          <p:cNvSpPr>
+            <a:spLocks noGrp="1"/>
+          </p:cNvSpPr>
+          <p:nvPr>
+            <p:ph type="title"/>
+          </p:nvPr>
+        </p:nvSpPr>
+        <p:spPr>
+          <a:xfrm>
+            <a:off x="467049" y="1240714"/>
+            <a:ext cx="3616856" cy="4376572"/>
+          </a:xfrm>
+        </p:spPr>
+        <p:txBody>
+          <a:bodyPr anchor="ctr">
+            <a:normAutofit/>
+          </a:bodyPr>
+          <a:lstStyle/>
+          <a:p>
+            <a:r>
+              <a:rPr lang="it-IT" sz="3700" b="1" dirty="0">
+                <a:latin typeface="Arial" panose="020B0604020202020204" pitchFamily="34" charset="0"/>
+                <a:cs typeface="Arial" panose="020B0604020202020204" pitchFamily="34" charset="0"/>
+              </a:rPr>
+              <a:t>MAE, MSE, RMAE</a:t>
+            </a:r>
+          </a:p>
+        </p:txBody>
+      </p:sp>
+      <p:sp>
+        <p:nvSpPr>
+          <p:cNvPr id="8" name="Freeform: Shape 7">
+            <a:extLst>
+              <a:ext uri="{FF2B5EF4-FFF2-40B4-BE49-F238E27FC236}">
+                <a16:creationId xmlns:a16="http://schemas.microsoft.com/office/drawing/2014/main" id="{DFF2AC85-FAA0-4844-813F-83C04D7382E2}"/>
+              </a:ext>
+              <a:ext uri="{C183D7F6-B498-43B3-948B-1728B52AA6E4}">
+                <adec:decorative xmlns:adec="http://schemas.microsoft.com/office/drawing/2017/decorative" val="1"/>
+              </a:ext>
+            </a:extLst>
+          </p:cNvPr>
+          <p:cNvSpPr>
+            <a:spLocks noGrp="1" noRot="1" noChangeAspect="1" noMove="1" noResize="1" noEditPoints="1" noAdjustHandles="1" noChangeArrowheads="1" noChangeShapeType="1" noTextEdit="1"/>
+          </p:cNvSpPr>
+          <p:nvPr>
+            <p:extLst>
+              <p:ext uri="{386F3935-93C4-4BCD-93E2-E3B085C9AB24}">
+                <p16:designElem xmlns:p16="http://schemas.microsoft.com/office/powerpoint/2015/main" val="1"/>
+              </p:ext>
+            </p:extLst>
+          </p:nvPr>
+        </p:nvSpPr>
+        <p:spPr>
+          <a:xfrm>
+            <a:off x="4907636" y="0"/>
+            <a:ext cx="7281316" cy="6858000"/>
+          </a:xfrm>
+          <a:custGeom>
+            <a:avLst/>
+            <a:gdLst>
+              <a:gd name="connsiteX0" fmla="*/ 361354 w 7281316"/>
+              <a:gd name="connsiteY0" fmla="*/ 0 h 6858000"/>
+              <a:gd name="connsiteX1" fmla="*/ 7281316 w 7281316"/>
+              <a:gd name="connsiteY1" fmla="*/ 0 h 6858000"/>
+              <a:gd name="connsiteX2" fmla="*/ 7281316 w 7281316"/>
+              <a:gd name="connsiteY2" fmla="*/ 6858000 h 6858000"/>
+              <a:gd name="connsiteX3" fmla="*/ 696735 w 7281316"/>
+              <a:gd name="connsiteY3" fmla="*/ 6858000 h 6858000"/>
+              <a:gd name="connsiteX4" fmla="*/ 690849 w 7281316"/>
+              <a:gd name="connsiteY4" fmla="*/ 6842426 h 6858000"/>
+              <a:gd name="connsiteX5" fmla="*/ 335637 w 7281316"/>
+              <a:gd name="connsiteY5" fmla="*/ 94722 h 6858000"/>
+            </a:gdLst>
+            <a:ahLst/>
+            <a:cxnLst>
+              <a:cxn ang="0">
+                <a:pos x="connsiteX0" y="connsiteY0"/>
+              </a:cxn>
+              <a:cxn ang="0">
+                <a:pos x="connsiteX1" y="connsiteY1"/>
+              </a:cxn>
+              <a:cxn ang="0">
+                <a:pos x="connsiteX2" y="connsiteY2"/>
+              </a:cxn>
+              <a:cxn ang="0">
+                <a:pos x="connsiteX3" y="connsiteY3"/>
+              </a:cxn>
+              <a:cxn ang="0">
+                <a:pos x="connsiteX4" y="connsiteY4"/>
+              </a:cxn>
+              <a:cxn ang="0">
+                <a:pos x="connsiteX5" y="connsiteY5"/>
+              </a:cxn>
+            </a:cxnLst>
+            <a:rect l="l" t="t" r="r" b="b"/>
+            <a:pathLst>
+              <a:path w="7281316" h="6858000">
+                <a:moveTo>
+                  <a:pt x="361354" y="0"/>
+                </a:moveTo>
+                <a:lnTo>
+                  <a:pt x="7281316" y="0"/>
+                </a:lnTo>
+                <a:lnTo>
+                  <a:pt x="7281316" y="6858000"/>
+                </a:lnTo>
+                <a:lnTo>
+                  <a:pt x="696735" y="6858000"/>
+                </a:lnTo>
+                <a:lnTo>
+                  <a:pt x="690849" y="6842426"/>
+                </a:lnTo>
+                <a:cubicBezTo>
+                  <a:pt x="-65870" y="4704140"/>
+                  <a:pt x="-226206" y="2374054"/>
+                  <a:pt x="335637" y="94722"/>
+                </a:cubicBezTo>
+                <a:close/>
+              </a:path>
+            </a:pathLst>
+          </a:custGeom>
+          <a:solidFill>
+            <a:schemeClr val="tx1">
+              <a:alpha val="80000"/>
+            </a:schemeClr>
+          </a:solidFill>
+          <a:ln>
+            <a:noFill/>
+          </a:ln>
+        </p:spPr>
+        <p:style>
+          <a:lnRef idx="2">
+            <a:schemeClr val="accent1">
+              <a:shade val="50000"/>
+            </a:schemeClr>
+          </a:lnRef>
+          <a:fillRef idx="1">
+            <a:schemeClr val="accent1"/>
+          </a:fillRef>
+          <a:effectRef idx="0">
+            <a:schemeClr val="accent1"/>
+          </a:effectRef>
+          <a:fontRef idx="minor">
+            <a:schemeClr val="lt1"/>
+          </a:fontRef>
+        </p:style>
+        <p:txBody>
+          <a:bodyPr rtlCol="0" anchor="ctr"/>
+          <a:lstStyle/>
+          <a:p>
+            <a:pPr algn="ctr"/>
+            <a:endParaRPr lang="en-US"/>
+          </a:p>
+        </p:txBody>
+      </p:sp>
+      <p:sp>
+        <p:nvSpPr>
+          <p:cNvPr id="10" name="Freeform: Shape 9">
+            <a:extLst>
+              <a:ext uri="{FF2B5EF4-FFF2-40B4-BE49-F238E27FC236}">
+                <a16:creationId xmlns:a16="http://schemas.microsoft.com/office/drawing/2014/main" id="{89CC0F1E-BAA2-47B1-8F83-7ECB9FD9E009}"/>
+              </a:ext>
+              <a:ext uri="{C183D7F6-B498-43B3-948B-1728B52AA6E4}">
+                <adec:decorative xmlns:adec="http://schemas.microsoft.com/office/drawing/2017/decorative" val="1"/>
+              </a:ext>
+            </a:extLst>
+          </p:cNvPr>
+          <p:cNvSpPr>
+            <a:spLocks noGrp="1" noRot="1" noChangeAspect="1" noMove="1" noResize="1" noEditPoints="1" noAdjustHandles="1" noChangeArrowheads="1" noChangeShapeType="1" noTextEdit="1"/>
+          </p:cNvSpPr>
+          <p:nvPr>
+            <p:extLst>
+              <p:ext uri="{386F3935-93C4-4BCD-93E2-E3B085C9AB24}">
+                <p16:designElem xmlns:p16="http://schemas.microsoft.com/office/powerpoint/2015/main" val="1"/>
+              </p:ext>
+            </p:extLst>
+          </p:nvPr>
+        </p:nvSpPr>
+        <p:spPr>
+          <a:xfrm>
+            <a:off x="5189558" y="0"/>
+            <a:ext cx="6999394" cy="6858000"/>
+          </a:xfrm>
+          <a:custGeom>
+            <a:avLst/>
+            <a:gdLst>
+              <a:gd name="connsiteX0" fmla="*/ 6999394 w 6999394"/>
+              <a:gd name="connsiteY0" fmla="*/ 0 h 6858000"/>
+              <a:gd name="connsiteX1" fmla="*/ 6999394 w 6999394"/>
+              <a:gd name="connsiteY1" fmla="*/ 6858000 h 6858000"/>
+              <a:gd name="connsiteX2" fmla="*/ 717029 w 6999394"/>
+              <a:gd name="connsiteY2" fmla="*/ 6858000 h 6858000"/>
+              <a:gd name="connsiteX3" fmla="*/ 623642 w 6999394"/>
+              <a:gd name="connsiteY3" fmla="*/ 6599363 h 6858000"/>
+              <a:gd name="connsiteX4" fmla="*/ 319533 w 6999394"/>
+              <a:gd name="connsiteY4" fmla="*/ 193787 h 6858000"/>
+              <a:gd name="connsiteX5" fmla="*/ 371685 w 6999394"/>
+              <a:gd name="connsiteY5" fmla="*/ 1 h 6858000"/>
+            </a:gdLst>
+            <a:ahLst/>
+            <a:cxnLst>
+              <a:cxn ang="0">
+                <a:pos x="connsiteX0" y="connsiteY0"/>
+              </a:cxn>
+              <a:cxn ang="0">
+                <a:pos x="connsiteX1" y="connsiteY1"/>
+              </a:cxn>
+              <a:cxn ang="0">
+                <a:pos x="connsiteX2" y="connsiteY2"/>
+              </a:cxn>
+              <a:cxn ang="0">
+                <a:pos x="connsiteX3" y="connsiteY3"/>
+              </a:cxn>
+              <a:cxn ang="0">
+                <a:pos x="connsiteX4" y="connsiteY4"/>
+              </a:cxn>
+              <a:cxn ang="0">
+                <a:pos x="connsiteX5" y="connsiteY5"/>
+              </a:cxn>
+            </a:cxnLst>
+            <a:rect l="l" t="t" r="r" b="b"/>
+            <a:pathLst>
+              <a:path w="6999394" h="6858000">
+                <a:moveTo>
+                  <a:pt x="6999394" y="0"/>
+                </a:moveTo>
+                <a:lnTo>
+                  <a:pt x="6999394" y="6858000"/>
+                </a:lnTo>
+                <a:lnTo>
+                  <a:pt x="717029" y="6858000"/>
+                </a:lnTo>
+                <a:lnTo>
+                  <a:pt x="623642" y="6599363"/>
+                </a:lnTo>
+                <a:cubicBezTo>
+                  <a:pt x="-67685" y="4563346"/>
+                  <a:pt x="-206622" y="2355719"/>
+                  <a:pt x="319533" y="193787"/>
+                </a:cubicBezTo>
+                <a:lnTo>
+                  <a:pt x="371685" y="1"/>
+                </a:lnTo>
+                <a:close/>
+              </a:path>
+            </a:pathLst>
+          </a:custGeom>
+          <a:solidFill>
+            <a:schemeClr val="tx1">
+              <a:alpha val="80000"/>
+            </a:schemeClr>
+          </a:solidFill>
+          <a:ln>
+            <a:noFill/>
+          </a:ln>
+        </p:spPr>
+        <p:style>
+          <a:lnRef idx="2">
+            <a:schemeClr val="accent1">
+              <a:shade val="50000"/>
+            </a:schemeClr>
+          </a:lnRef>
+          <a:fillRef idx="1">
+            <a:schemeClr val="accent1"/>
+          </a:fillRef>
+          <a:effectRef idx="0">
+            <a:schemeClr val="accent1"/>
+          </a:effectRef>
+          <a:fontRef idx="minor">
+            <a:schemeClr val="lt1"/>
+          </a:fontRef>
+        </p:style>
+        <p:txBody>
+          <a:bodyPr rtlCol="0" anchor="ctr"/>
+          <a:lstStyle/>
+          <a:p>
+            <a:pPr algn="ctr"/>
+            <a:endParaRPr lang="en-US"/>
+          </a:p>
+        </p:txBody>
+      </p:sp>
+      <mc:AlternateContent xmlns:mc="http://schemas.openxmlformats.org/markup-compatibility/2006">
+        <mc:Choice xmlns:a14="http://schemas.microsoft.com/office/drawing/2010/main" Requires="a14">
+          <p:sp>
+            <p:nvSpPr>
+              <p:cNvPr id="3" name="Segnaposto contenuto 2">
+                <a:extLst>
+                  <a:ext uri="{FF2B5EF4-FFF2-40B4-BE49-F238E27FC236}">
+                    <a16:creationId xmlns:a16="http://schemas.microsoft.com/office/drawing/2014/main" id="{5E2DA8CA-5556-4043-BF72-8DBE24BC4F4A}"/>
+                  </a:ext>
+                </a:extLst>
+              </p:cNvPr>
+              <p:cNvSpPr>
+                <a:spLocks noGrp="1"/>
+              </p:cNvSpPr>
+              <p:nvPr>
+                <p:ph idx="1"/>
+              </p:nvPr>
+            </p:nvSpPr>
+            <p:spPr>
+              <a:xfrm>
+                <a:off x="6095999" y="719666"/>
+                <a:ext cx="5501834" cy="4471416"/>
+              </a:xfrm>
+            </p:spPr>
+            <p:txBody>
+              <a:bodyPr anchor="ctr">
+                <a:normAutofit/>
+              </a:bodyPr>
+              <a:lstStyle/>
+              <a:p>
+                <a:r>
+                  <a:rPr lang="it-IT" sz="2400" b="1" dirty="0">
+                    <a:solidFill>
+                      <a:schemeClr val="bg1"/>
+                    </a:solidFill>
+                  </a:rPr>
+                  <a:t>Mean Absolute </a:t>
+                </a:r>
+                <a:r>
+                  <a:rPr lang="it-IT" sz="2400" b="1" dirty="0" err="1">
+                    <a:solidFill>
+                      <a:schemeClr val="bg1"/>
+                    </a:solidFill>
+                  </a:rPr>
+                  <a:t>Error</a:t>
+                </a:r>
+                <a:r>
+                  <a:rPr lang="it-IT" sz="2200" dirty="0">
+                    <a:solidFill>
+                      <a:schemeClr val="bg1"/>
+                    </a:solidFill>
+                  </a:rPr>
+                  <a:t>: </a:t>
+                </a:r>
+                <a14:m>
+                  <m:oMath xmlns:m="http://schemas.openxmlformats.org/officeDocument/2006/math">
+                    <m:f>
+                      <m:fPr>
+                        <m:ctrlPr>
+                          <a:rPr lang="it-IT" i="1" smtClean="0">
+                            <a:solidFill>
+                              <a:schemeClr val="bg1"/>
+                            </a:solidFill>
+                            <a:latin typeface="Cambria Math" panose="02040503050406030204" pitchFamily="18" charset="0"/>
+                          </a:rPr>
+                        </m:ctrlPr>
+                      </m:fPr>
+                      <m:num>
+                        <m:nary>
+                          <m:naryPr>
+                            <m:chr m:val="∑"/>
+                            <m:limLoc m:val="subSup"/>
+                            <m:ctrlPr>
+                              <a:rPr lang="it-IT" i="1" smtClean="0">
+                                <a:solidFill>
+                                  <a:schemeClr val="bg1"/>
+                                </a:solidFill>
+                                <a:latin typeface="Cambria Math" panose="02040503050406030204" pitchFamily="18" charset="0"/>
+                              </a:rPr>
+                            </m:ctrlPr>
+                          </m:naryPr>
+                          <m:sub>
+                            <m:r>
+                              <m:rPr>
+                                <m:brk m:alnAt="25"/>
+                              </m:rPr>
+                              <a:rPr lang="it-IT" b="0" i="1" smtClean="0">
+                                <a:solidFill>
+                                  <a:schemeClr val="bg1"/>
+                                </a:solidFill>
+                                <a:latin typeface="Cambria Math" panose="02040503050406030204" pitchFamily="18" charset="0"/>
+                              </a:rPr>
+                              <m:t>𝑖</m:t>
+                            </m:r>
+                            <m:r>
+                              <a:rPr lang="it-IT" b="0" i="1" smtClean="0">
+                                <a:solidFill>
+                                  <a:schemeClr val="bg1"/>
+                                </a:solidFill>
+                                <a:latin typeface="Cambria Math" panose="02040503050406030204" pitchFamily="18" charset="0"/>
+                              </a:rPr>
+                              <m:t>=1</m:t>
+                            </m:r>
+                          </m:sub>
+                          <m:sup>
+                            <m:r>
+                              <a:rPr lang="it-IT" b="0" i="1" smtClean="0">
+                                <a:solidFill>
+                                  <a:schemeClr val="bg1"/>
+                                </a:solidFill>
+                                <a:latin typeface="Cambria Math" panose="02040503050406030204" pitchFamily="18" charset="0"/>
+                              </a:rPr>
+                              <m:t>𝑛</m:t>
+                            </m:r>
+                          </m:sup>
+                          <m:e>
+                            <m:r>
+                              <a:rPr lang="it-IT" b="0" i="1" smtClean="0">
+                                <a:solidFill>
+                                  <a:schemeClr val="bg1"/>
+                                </a:solidFill>
+                                <a:latin typeface="Cambria Math" panose="02040503050406030204" pitchFamily="18" charset="0"/>
+                              </a:rPr>
+                              <m:t>| </m:t>
+                            </m:r>
+                            <m:acc>
+                              <m:accPr>
+                                <m:chr m:val="̂"/>
+                                <m:ctrlPr>
+                                  <a:rPr lang="it-IT" b="0" i="1" smtClean="0">
+                                    <a:solidFill>
+                                      <a:schemeClr val="bg1"/>
+                                    </a:solidFill>
+                                    <a:latin typeface="Cambria Math" panose="02040503050406030204" pitchFamily="18" charset="0"/>
+                                  </a:rPr>
+                                </m:ctrlPr>
+                              </m:accPr>
+                              <m:e>
+                                <m:r>
+                                  <a:rPr lang="it-IT" b="0" i="1" smtClean="0">
+                                    <a:solidFill>
+                                      <a:schemeClr val="bg1"/>
+                                    </a:solidFill>
+                                    <a:latin typeface="Cambria Math" panose="02040503050406030204" pitchFamily="18" charset="0"/>
+                                  </a:rPr>
+                                  <m:t>𝑦</m:t>
+                                </m:r>
+                                <m:r>
+                                  <a:rPr lang="it-IT" b="0" i="1" smtClean="0">
+                                    <a:solidFill>
+                                      <a:schemeClr val="bg1"/>
+                                    </a:solidFill>
+                                    <a:latin typeface="Cambria Math" panose="02040503050406030204" pitchFamily="18" charset="0"/>
+                                  </a:rPr>
+                                  <m:t> </m:t>
+                                </m:r>
+                              </m:e>
+                            </m:acc>
+                            <m:r>
+                              <a:rPr lang="it-IT" b="0" i="1" smtClean="0">
+                                <a:solidFill>
+                                  <a:schemeClr val="bg1"/>
+                                </a:solidFill>
+                                <a:latin typeface="Cambria Math" panose="02040503050406030204" pitchFamily="18" charset="0"/>
+                              </a:rPr>
+                              <m:t> −</m:t>
+                            </m:r>
+                            <m:r>
+                              <a:rPr lang="it-IT" b="0" i="1" smtClean="0">
+                                <a:solidFill>
+                                  <a:schemeClr val="bg1"/>
+                                </a:solidFill>
+                                <a:latin typeface="Cambria Math" panose="02040503050406030204" pitchFamily="18" charset="0"/>
+                              </a:rPr>
+                              <m:t>𝑦</m:t>
+                            </m:r>
+                            <m:r>
+                              <a:rPr lang="it-IT" b="0" i="1" smtClean="0">
+                                <a:solidFill>
+                                  <a:schemeClr val="bg1"/>
+                                </a:solidFill>
+                                <a:latin typeface="Cambria Math" panose="02040503050406030204" pitchFamily="18" charset="0"/>
+                              </a:rPr>
+                              <m:t> |</m:t>
+                            </m:r>
+                          </m:e>
+                        </m:nary>
+                      </m:num>
+                      <m:den>
+                        <m:r>
+                          <a:rPr lang="it-IT" b="0" i="1" smtClean="0">
+                            <a:solidFill>
+                              <a:schemeClr val="bg1"/>
+                            </a:solidFill>
+                            <a:latin typeface="Cambria Math" panose="02040503050406030204" pitchFamily="18" charset="0"/>
+                          </a:rPr>
+                          <m:t>𝑛</m:t>
+                        </m:r>
+                      </m:den>
+                    </m:f>
+                  </m:oMath>
+                </a14:m>
+                <a:r>
+                  <a:rPr lang="it-IT" sz="2400" dirty="0">
+                    <a:solidFill>
+                      <a:schemeClr val="bg1"/>
+                    </a:solidFill>
+                  </a:rPr>
+                  <a:t> : </a:t>
+                </a:r>
+                <a:r>
+                  <a:rPr lang="it-IT" sz="2000" dirty="0">
+                    <a:solidFill>
+                      <a:schemeClr val="bg1"/>
+                    </a:solidFill>
+                  </a:rPr>
+                  <a:t>è la differenza media tra valori predetti e valori reali del dataset</a:t>
+                </a:r>
+                <a:endParaRPr lang="it-IT" sz="2400" dirty="0">
+                  <a:solidFill>
+                    <a:schemeClr val="bg1"/>
+                  </a:solidFill>
+                </a:endParaRPr>
+              </a:p>
+              <a:p>
+                <a:r>
+                  <a:rPr lang="it-IT" sz="2400" b="1" dirty="0" err="1">
+                    <a:solidFill>
+                      <a:schemeClr val="bg1"/>
+                    </a:solidFill>
+                  </a:rPr>
+                  <a:t>Mean</a:t>
+                </a:r>
+                <a:r>
+                  <a:rPr lang="it-IT" sz="2400" b="1" dirty="0">
+                    <a:solidFill>
+                      <a:schemeClr val="bg1"/>
+                    </a:solidFill>
+                  </a:rPr>
+                  <a:t> </a:t>
+                </a:r>
+                <a:r>
+                  <a:rPr lang="it-IT" sz="2400" b="1" dirty="0" err="1">
+                    <a:solidFill>
+                      <a:schemeClr val="bg1"/>
+                    </a:solidFill>
+                  </a:rPr>
+                  <a:t>Squared</a:t>
+                </a:r>
+                <a:r>
+                  <a:rPr lang="it-IT" sz="2400" b="1" dirty="0">
+                    <a:solidFill>
+                      <a:schemeClr val="bg1"/>
+                    </a:solidFill>
+                  </a:rPr>
+                  <a:t> </a:t>
+                </a:r>
+                <a:r>
+                  <a:rPr lang="it-IT" sz="2400" b="1" dirty="0" err="1">
+                    <a:solidFill>
+                      <a:schemeClr val="bg1"/>
+                    </a:solidFill>
+                  </a:rPr>
+                  <a:t>Error</a:t>
+                </a:r>
+                <a:r>
+                  <a:rPr lang="it-IT" sz="2400" dirty="0">
+                    <a:solidFill>
+                      <a:schemeClr val="bg1"/>
+                    </a:solidFill>
+                  </a:rPr>
+                  <a:t>: </a:t>
+                </a:r>
+                <a14:m>
+                  <m:oMath xmlns:m="http://schemas.openxmlformats.org/officeDocument/2006/math">
+                    <m:f>
+                      <m:fPr>
+                        <m:ctrlPr>
+                          <a:rPr lang="it-IT" sz="2400" b="1" i="1" smtClean="0">
+                            <a:solidFill>
+                              <a:schemeClr val="bg1"/>
+                            </a:solidFill>
+                            <a:latin typeface="Cambria Math" panose="02040503050406030204" pitchFamily="18" charset="0"/>
+                          </a:rPr>
+                        </m:ctrlPr>
+                      </m:fPr>
+                      <m:num>
+                        <m:nary>
+                          <m:naryPr>
+                            <m:chr m:val="∑"/>
+                            <m:limLoc m:val="subSup"/>
+                            <m:ctrlPr>
+                              <a:rPr lang="it-IT" sz="2400" b="1" i="1" smtClean="0">
+                                <a:solidFill>
+                                  <a:schemeClr val="bg1"/>
+                                </a:solidFill>
+                                <a:latin typeface="Cambria Math" panose="02040503050406030204" pitchFamily="18" charset="0"/>
+                              </a:rPr>
+                            </m:ctrlPr>
+                          </m:naryPr>
+                          <m:sub>
+                            <m:r>
+                              <m:rPr>
+                                <m:brk m:alnAt="25"/>
+                              </m:rPr>
+                              <a:rPr lang="it-IT" sz="2400" b="1" i="1" smtClean="0">
+                                <a:solidFill>
+                                  <a:schemeClr val="bg1"/>
+                                </a:solidFill>
+                                <a:latin typeface="Cambria Math" panose="02040503050406030204" pitchFamily="18" charset="0"/>
+                              </a:rPr>
+                              <m:t>𝒊</m:t>
+                            </m:r>
+                            <m:r>
+                              <a:rPr lang="it-IT" sz="2400" b="1" i="1" smtClean="0">
+                                <a:solidFill>
+                                  <a:schemeClr val="bg1"/>
+                                </a:solidFill>
+                                <a:latin typeface="Cambria Math" panose="02040503050406030204" pitchFamily="18" charset="0"/>
+                              </a:rPr>
+                              <m:t>=</m:t>
+                            </m:r>
+                            <m:r>
+                              <a:rPr lang="it-IT" sz="2400" b="1" i="1" smtClean="0">
+                                <a:solidFill>
+                                  <a:schemeClr val="bg1"/>
+                                </a:solidFill>
+                                <a:latin typeface="Cambria Math" panose="02040503050406030204" pitchFamily="18" charset="0"/>
+                              </a:rPr>
+                              <m:t>𝟏</m:t>
+                            </m:r>
+                          </m:sub>
+                          <m:sup>
+                            <m:r>
+                              <a:rPr lang="it-IT" sz="2400" b="1" i="1" smtClean="0">
+                                <a:solidFill>
+                                  <a:schemeClr val="bg1"/>
+                                </a:solidFill>
+                                <a:latin typeface="Cambria Math" panose="02040503050406030204" pitchFamily="18" charset="0"/>
+                              </a:rPr>
+                              <m:t>𝒏</m:t>
+                            </m:r>
+                          </m:sup>
+                          <m:e>
+                            <m:sSup>
+                              <m:sSupPr>
+                                <m:ctrlPr>
+                                  <a:rPr lang="it-IT" sz="2400" b="1" i="1" smtClean="0">
+                                    <a:solidFill>
+                                      <a:schemeClr val="bg1"/>
+                                    </a:solidFill>
+                                    <a:latin typeface="Cambria Math" panose="02040503050406030204" pitchFamily="18" charset="0"/>
+                                  </a:rPr>
+                                </m:ctrlPr>
+                              </m:sSupPr>
+                              <m:e>
+                                <m:r>
+                                  <a:rPr lang="it-IT" sz="2400" b="1" i="1">
+                                    <a:solidFill>
+                                      <a:schemeClr val="bg1"/>
+                                    </a:solidFill>
+                                    <a:latin typeface="Cambria Math" panose="02040503050406030204" pitchFamily="18" charset="0"/>
+                                  </a:rPr>
+                                  <m:t>(</m:t>
+                                </m:r>
+                                <m:acc>
+                                  <m:accPr>
+                                    <m:chr m:val="̂"/>
+                                    <m:ctrlPr>
+                                      <a:rPr lang="it-IT" sz="2400" b="1" i="1">
+                                        <a:solidFill>
+                                          <a:schemeClr val="bg1"/>
+                                        </a:solidFill>
+                                        <a:latin typeface="Cambria Math" panose="02040503050406030204" pitchFamily="18" charset="0"/>
+                                      </a:rPr>
+                                    </m:ctrlPr>
+                                  </m:accPr>
+                                  <m:e>
+                                    <m:r>
+                                      <a:rPr lang="it-IT" sz="2400" b="1" i="1">
+                                        <a:solidFill>
+                                          <a:schemeClr val="bg1"/>
+                                        </a:solidFill>
+                                        <a:latin typeface="Cambria Math" panose="02040503050406030204" pitchFamily="18" charset="0"/>
+                                      </a:rPr>
+                                      <m:t>𝒚</m:t>
+                                    </m:r>
+                                    <m:r>
+                                      <a:rPr lang="it-IT" sz="2400" b="1" i="1">
+                                        <a:solidFill>
+                                          <a:schemeClr val="bg1"/>
+                                        </a:solidFill>
+                                        <a:latin typeface="Cambria Math" panose="02040503050406030204" pitchFamily="18" charset="0"/>
+                                      </a:rPr>
+                                      <m:t> </m:t>
+                                    </m:r>
+                                  </m:e>
+                                </m:acc>
+                                <m:r>
+                                  <a:rPr lang="it-IT" sz="2400" b="1" i="1">
+                                    <a:solidFill>
+                                      <a:schemeClr val="bg1"/>
+                                    </a:solidFill>
+                                    <a:latin typeface="Cambria Math" panose="02040503050406030204" pitchFamily="18" charset="0"/>
+                                  </a:rPr>
+                                  <m:t> −</m:t>
+                                </m:r>
+                                <m:r>
+                                  <a:rPr lang="it-IT" sz="2400" b="1" i="1">
+                                    <a:solidFill>
+                                      <a:schemeClr val="bg1"/>
+                                    </a:solidFill>
+                                    <a:latin typeface="Cambria Math" panose="02040503050406030204" pitchFamily="18" charset="0"/>
+                                  </a:rPr>
+                                  <m:t>𝒚</m:t>
+                                </m:r>
+                                <m:r>
+                                  <a:rPr lang="it-IT" sz="2400" b="1" i="1">
+                                    <a:solidFill>
+                                      <a:schemeClr val="bg1"/>
+                                    </a:solidFill>
+                                    <a:latin typeface="Cambria Math" panose="02040503050406030204" pitchFamily="18" charset="0"/>
+                                  </a:rPr>
+                                  <m:t> )</m:t>
+                                </m:r>
+                              </m:e>
+                              <m:sup>
+                                <m:r>
+                                  <a:rPr lang="it-IT" sz="2400" b="1" i="1" smtClean="0">
+                                    <a:solidFill>
+                                      <a:schemeClr val="bg1"/>
+                                    </a:solidFill>
+                                    <a:latin typeface="Cambria Math" panose="02040503050406030204" pitchFamily="18" charset="0"/>
+                                  </a:rPr>
+                                  <m:t>𝟐</m:t>
+                                </m:r>
+                              </m:sup>
+                            </m:sSup>
+                          </m:e>
+                        </m:nary>
+                      </m:num>
+                      <m:den>
+                        <m:r>
+                          <a:rPr lang="it-IT" sz="2400" b="1" i="1" smtClean="0">
+                            <a:solidFill>
+                              <a:schemeClr val="bg1"/>
+                            </a:solidFill>
+                            <a:latin typeface="Cambria Math" panose="02040503050406030204" pitchFamily="18" charset="0"/>
+                          </a:rPr>
+                          <m:t>𝒏</m:t>
+                        </m:r>
+                      </m:den>
+                    </m:f>
+                  </m:oMath>
+                </a14:m>
+                <a:r>
+                  <a:rPr lang="it-IT" sz="2400" b="1" dirty="0">
+                    <a:solidFill>
+                      <a:schemeClr val="bg1"/>
+                    </a:solidFill>
+                  </a:rPr>
+                  <a:t> </a:t>
+                </a:r>
+                <a:r>
+                  <a:rPr lang="it-IT" sz="2400" dirty="0">
+                    <a:solidFill>
+                      <a:schemeClr val="bg1"/>
+                    </a:solidFill>
+                  </a:rPr>
+                  <a:t>: </a:t>
+                </a:r>
+                <a:r>
+                  <a:rPr lang="it-IT" sz="2000" dirty="0">
+                    <a:solidFill>
+                      <a:schemeClr val="bg1"/>
+                    </a:solidFill>
+                  </a:rPr>
+                  <a:t>è l’errore quadratico medio commesso sui dati nel test set</a:t>
+                </a:r>
+              </a:p>
+              <a:p>
+                <a:r>
+                  <a:rPr lang="it-IT" sz="2400" b="1" dirty="0">
+                    <a:solidFill>
+                      <a:schemeClr val="bg1"/>
+                    </a:solidFill>
+                  </a:rPr>
+                  <a:t>Root </a:t>
+                </a:r>
+                <a:r>
+                  <a:rPr lang="it-IT" sz="2400" b="1" dirty="0" err="1">
+                    <a:solidFill>
+                      <a:schemeClr val="bg1"/>
+                    </a:solidFill>
+                  </a:rPr>
+                  <a:t>Mean</a:t>
+                </a:r>
+                <a:r>
+                  <a:rPr lang="it-IT" sz="2400" b="1" dirty="0">
+                    <a:solidFill>
+                      <a:schemeClr val="bg1"/>
+                    </a:solidFill>
+                  </a:rPr>
+                  <a:t> Absolute </a:t>
+                </a:r>
+                <a:r>
+                  <a:rPr lang="it-IT" sz="2400" b="1" dirty="0" err="1">
+                    <a:solidFill>
+                      <a:schemeClr val="bg1"/>
+                    </a:solidFill>
+                  </a:rPr>
+                  <a:t>Error</a:t>
+                </a:r>
+                <a:r>
+                  <a:rPr lang="it-IT" sz="2200" dirty="0">
+                    <a:solidFill>
+                      <a:schemeClr val="bg1"/>
+                    </a:solidFill>
+                  </a:rPr>
+                  <a:t>: </a:t>
+                </a:r>
+                <a14:m>
+                  <m:oMath xmlns:m="http://schemas.openxmlformats.org/officeDocument/2006/math">
+                    <m:rad>
+                      <m:radPr>
+                        <m:degHide m:val="on"/>
+                        <m:ctrlPr>
+                          <a:rPr lang="it-IT" sz="2200" b="1" i="1" smtClean="0">
+                            <a:solidFill>
+                              <a:schemeClr val="bg1"/>
+                            </a:solidFill>
+                            <a:latin typeface="Cambria Math" panose="02040503050406030204" pitchFamily="18" charset="0"/>
+                          </a:rPr>
+                        </m:ctrlPr>
+                      </m:radPr>
+                      <m:deg/>
+                      <m:e>
+                        <m:f>
+                          <m:fPr>
+                            <m:ctrlPr>
+                              <a:rPr lang="it-IT" sz="2000" b="1" i="1">
+                                <a:solidFill>
+                                  <a:schemeClr val="bg1"/>
+                                </a:solidFill>
+                                <a:latin typeface="Cambria Math" panose="02040503050406030204" pitchFamily="18" charset="0"/>
+                              </a:rPr>
+                            </m:ctrlPr>
+                          </m:fPr>
+                          <m:num>
+                            <m:nary>
+                              <m:naryPr>
+                                <m:chr m:val="∑"/>
+                                <m:limLoc m:val="subSup"/>
+                                <m:ctrlPr>
+                                  <a:rPr lang="it-IT" sz="2000" b="1" i="1">
+                                    <a:solidFill>
+                                      <a:schemeClr val="bg1"/>
+                                    </a:solidFill>
+                                    <a:latin typeface="Cambria Math" panose="02040503050406030204" pitchFamily="18" charset="0"/>
+                                  </a:rPr>
+                                </m:ctrlPr>
+                              </m:naryPr>
+                              <m:sub>
+                                <m:r>
+                                  <m:rPr>
+                                    <m:brk m:alnAt="25"/>
+                                  </m:rPr>
+                                  <a:rPr lang="it-IT" sz="2000" b="1" i="1">
+                                    <a:solidFill>
+                                      <a:schemeClr val="bg1"/>
+                                    </a:solidFill>
+                                    <a:latin typeface="Cambria Math" panose="02040503050406030204" pitchFamily="18" charset="0"/>
+                                  </a:rPr>
+                                  <m:t>𝒊</m:t>
+                                </m:r>
+                                <m:r>
+                                  <a:rPr lang="it-IT" sz="2000" b="1" i="1">
+                                    <a:solidFill>
+                                      <a:schemeClr val="bg1"/>
+                                    </a:solidFill>
+                                    <a:latin typeface="Cambria Math" panose="02040503050406030204" pitchFamily="18" charset="0"/>
+                                  </a:rPr>
+                                  <m:t>=</m:t>
+                                </m:r>
+                                <m:r>
+                                  <a:rPr lang="it-IT" sz="2000" b="1" i="1">
+                                    <a:solidFill>
+                                      <a:schemeClr val="bg1"/>
+                                    </a:solidFill>
+                                    <a:latin typeface="Cambria Math" panose="02040503050406030204" pitchFamily="18" charset="0"/>
+                                  </a:rPr>
+                                  <m:t>𝟏</m:t>
+                                </m:r>
+                              </m:sub>
+                              <m:sup>
+                                <m:r>
+                                  <a:rPr lang="it-IT" sz="2000" b="1" i="1">
+                                    <a:solidFill>
+                                      <a:schemeClr val="bg1"/>
+                                    </a:solidFill>
+                                    <a:latin typeface="Cambria Math" panose="02040503050406030204" pitchFamily="18" charset="0"/>
+                                  </a:rPr>
+                                  <m:t>𝒏</m:t>
+                                </m:r>
+                              </m:sup>
+                              <m:e>
+                                <m:sSup>
+                                  <m:sSupPr>
+                                    <m:ctrlPr>
+                                      <a:rPr lang="it-IT" sz="2000" b="1" i="1">
+                                        <a:solidFill>
+                                          <a:schemeClr val="bg1"/>
+                                        </a:solidFill>
+                                        <a:latin typeface="Cambria Math" panose="02040503050406030204" pitchFamily="18" charset="0"/>
+                                      </a:rPr>
+                                    </m:ctrlPr>
+                                  </m:sSupPr>
+                                  <m:e>
+                                    <m:r>
+                                      <a:rPr lang="it-IT" sz="2000" b="1" i="1">
+                                        <a:solidFill>
+                                          <a:schemeClr val="bg1"/>
+                                        </a:solidFill>
+                                        <a:latin typeface="Cambria Math" panose="02040503050406030204" pitchFamily="18" charset="0"/>
+                                      </a:rPr>
+                                      <m:t>(</m:t>
+                                    </m:r>
+                                    <m:acc>
+                                      <m:accPr>
+                                        <m:chr m:val="̂"/>
+                                        <m:ctrlPr>
+                                          <a:rPr lang="it-IT" sz="2000" b="1" i="1">
+                                            <a:solidFill>
+                                              <a:schemeClr val="bg1"/>
+                                            </a:solidFill>
+                                            <a:latin typeface="Cambria Math" panose="02040503050406030204" pitchFamily="18" charset="0"/>
+                                          </a:rPr>
+                                        </m:ctrlPr>
+                                      </m:accPr>
+                                      <m:e>
+                                        <m:r>
+                                          <a:rPr lang="it-IT" sz="2000" b="1" i="1">
+                                            <a:solidFill>
+                                              <a:schemeClr val="bg1"/>
+                                            </a:solidFill>
+                                            <a:latin typeface="Cambria Math" panose="02040503050406030204" pitchFamily="18" charset="0"/>
+                                          </a:rPr>
+                                          <m:t>𝒚</m:t>
+                                        </m:r>
+                                        <m:r>
+                                          <a:rPr lang="it-IT" sz="2000" b="1" i="1">
+                                            <a:solidFill>
+                                              <a:schemeClr val="bg1"/>
+                                            </a:solidFill>
+                                            <a:latin typeface="Cambria Math" panose="02040503050406030204" pitchFamily="18" charset="0"/>
+                                          </a:rPr>
+                                          <m:t> </m:t>
+                                        </m:r>
+                                      </m:e>
+                                    </m:acc>
+                                    <m:r>
+                                      <a:rPr lang="it-IT" sz="2000" b="1" i="1">
+                                        <a:solidFill>
+                                          <a:schemeClr val="bg1"/>
+                                        </a:solidFill>
+                                        <a:latin typeface="Cambria Math" panose="02040503050406030204" pitchFamily="18" charset="0"/>
+                                      </a:rPr>
+                                      <m:t> −</m:t>
+                                    </m:r>
+                                    <m:r>
+                                      <a:rPr lang="it-IT" sz="2000" b="1" i="1">
+                                        <a:solidFill>
+                                          <a:schemeClr val="bg1"/>
+                                        </a:solidFill>
+                                        <a:latin typeface="Cambria Math" panose="02040503050406030204" pitchFamily="18" charset="0"/>
+                                      </a:rPr>
+                                      <m:t>𝒚</m:t>
+                                    </m:r>
+                                    <m:r>
+                                      <a:rPr lang="it-IT" sz="2000" b="1" i="1">
+                                        <a:solidFill>
+                                          <a:schemeClr val="bg1"/>
+                                        </a:solidFill>
+                                        <a:latin typeface="Cambria Math" panose="02040503050406030204" pitchFamily="18" charset="0"/>
+                                      </a:rPr>
+                                      <m:t> )</m:t>
+                                    </m:r>
+                                  </m:e>
+                                  <m:sup>
+                                    <m:r>
+                                      <a:rPr lang="it-IT" sz="2000" b="1" i="1">
+                                        <a:solidFill>
+                                          <a:schemeClr val="bg1"/>
+                                        </a:solidFill>
+                                        <a:latin typeface="Cambria Math" panose="02040503050406030204" pitchFamily="18" charset="0"/>
+                                      </a:rPr>
+                                      <m:t>𝟐</m:t>
+                                    </m:r>
+                                  </m:sup>
+                                </m:sSup>
+                              </m:e>
+                            </m:nary>
+                          </m:num>
+                          <m:den>
+                            <m:r>
+                              <a:rPr lang="it-IT" sz="2000" b="1" i="1">
+                                <a:solidFill>
+                                  <a:schemeClr val="bg1"/>
+                                </a:solidFill>
+                                <a:latin typeface="Cambria Math" panose="02040503050406030204" pitchFamily="18" charset="0"/>
+                              </a:rPr>
+                              <m:t>𝒏</m:t>
+                            </m:r>
+                          </m:den>
+                        </m:f>
+                      </m:e>
+                    </m:rad>
+                  </m:oMath>
+                </a14:m>
+                <a:r>
+                  <a:rPr lang="it-IT" sz="2200" dirty="0">
+                    <a:solidFill>
+                      <a:schemeClr val="bg1"/>
+                    </a:solidFill>
+                  </a:rPr>
+                  <a:t> : </a:t>
+                </a:r>
+                <a:r>
+                  <a:rPr lang="it-IT" sz="2000" dirty="0">
+                    <a:solidFill>
+                      <a:schemeClr val="bg1"/>
+                    </a:solidFill>
+                  </a:rPr>
+                  <a:t>la radice quadrata dell’errore quadratico medio commesso sui dati del test set</a:t>
+                </a:r>
+                <a:endParaRPr lang="it-IT" sz="2200" dirty="0">
+                  <a:solidFill>
+                    <a:schemeClr val="bg1"/>
+                  </a:solidFill>
+                </a:endParaRPr>
+              </a:p>
+            </p:txBody>
+          </p:sp>
+        </mc:Choice>
+        <mc:Fallback>
+          <p:sp>
+            <p:nvSpPr>
+              <p:cNvPr id="3" name="Segnaposto contenuto 2">
+                <a:extLst>
+                  <a:ext uri="{FF2B5EF4-FFF2-40B4-BE49-F238E27FC236}">
+                    <a16:creationId xmlns:a16="http://schemas.microsoft.com/office/drawing/2014/main" id="{5E2DA8CA-5556-4043-BF72-8DBE24BC4F4A}"/>
+                  </a:ext>
+                </a:extLst>
+              </p:cNvPr>
+              <p:cNvSpPr>
+                <a:spLocks noGrp="1" noRot="1" noChangeAspect="1" noMove="1" noResize="1" noEditPoints="1" noAdjustHandles="1" noChangeArrowheads="1" noChangeShapeType="1" noTextEdit="1"/>
+              </p:cNvSpPr>
+              <p:nvPr>
+                <p:ph idx="1"/>
+              </p:nvPr>
+            </p:nvSpPr>
+            <p:spPr>
+              <a:xfrm>
+                <a:off x="6095999" y="719666"/>
+                <a:ext cx="5501834" cy="4471416"/>
+              </a:xfrm>
+              <a:blipFill>
+                <a:blip r:embed="rId2"/>
+                <a:stretch>
+                  <a:fillRect l="-1440" r="-775"/>
+                </a:stretch>
+              </a:blipFill>
+            </p:spPr>
+            <p:txBody>
+              <a:bodyPr/>
+              <a:lstStyle/>
+              <a:p>
+                <a:r>
+                  <a:rPr lang="it-IT">
+                    <a:noFill/>
+                  </a:rPr>
+                  <a:t> </a:t>
+                </a:r>
+              </a:p>
+            </p:txBody>
+          </p:sp>
+        </mc:Fallback>
+      </mc:AlternateContent>
+    </p:spTree>
+    <p:extLst>
+      <p:ext uri="{BB962C8B-B14F-4D97-AF65-F5344CB8AC3E}">
+        <p14:creationId xmlns:p14="http://schemas.microsoft.com/office/powerpoint/2010/main" val="130467891"/>
+      </p:ext>
+    </p:extLst>
+  </p:cSld>
+  <p:clrMapOvr>
+    <a:overrideClrMapping bg1="dk1" tx1="lt1" bg2="dk2" tx2="lt2" accent1="accent1" accent2="accent2" accent3="accent3" accent4="accent4" accent5="accent5" accent6="accent6" hlink="hlink" folHlink="folHlink"/>
   </p:clrMapOvr>
 </p:sld>
 </file>
